--- a/dotnetconf/Technical/Decks/Aaron_NetStandard/Build Great Libraries using .NET Standard-Aaron.pptx
+++ b/dotnetconf/Technical/Decks/Aaron_NetStandard/Build Great Libraries using .NET Standard-Aaron.pptx
@@ -136,7 +136,7 @@
   </p:defaultTextStyle>
   <p:extLst>
     <p:ext uri="{EFAFB233-063F-42B5-8137-9DF3F51BA10A}">
-      <p15:sldGuideLst xmlns:p15="http://schemas.microsoft.com/office/powerpoint/2012/main"/>
+      <p15:sldGuideLst xmlns:p15="http://schemas.microsoft.com/office/powerpoint/2012/main" xmlns=""/>
     </p:ext>
   </p:extLst>
 </p:presentation>
@@ -2745,7 +2745,7 @@
           <a:p>
             <a:fld id="{38EEC551-8CDA-4EB6-89BB-2A86C9F091C8}" type="datetime8">
               <a:rPr lang="en-US" smtClean="0"/>
-              <a:t>10/27/2018 12:18 AM</a:t>
+              <a:t>10/27/2018 1:46 AM</a:t>
             </a:fld>
             <a:endParaRPr lang="en-US" dirty="0"/>
           </a:p>
@@ -2929,7 +2929,7 @@
           <a:p>
             <a:fld id="{38EEC551-8CDA-4EB6-89BB-2A86C9F091C8}" type="datetime8">
               <a:rPr lang="en-US" smtClean="0"/>
-              <a:t>10/27/2018 12:18 AM</a:t>
+              <a:t>10/27/2018 1:46 AM</a:t>
             </a:fld>
             <a:endParaRPr lang="en-US" dirty="0"/>
           </a:p>
@@ -3278,7 +3278,7 @@
           <a:p>
             <a:fld id="{38EEC551-8CDA-4EB6-89BB-2A86C9F091C8}" type="datetime8">
               <a:rPr lang="en-US" smtClean="0"/>
-              <a:t>10/27/2018 12:18 AM</a:t>
+              <a:t>10/27/2018 1:45 AM</a:t>
             </a:fld>
             <a:endParaRPr lang="en-US" dirty="0"/>
           </a:p>
@@ -3948,7 +3948,7 @@
           <p:cNvPr id="7" name="Picture 6">
             <a:extLst>
               <a:ext uri="{FF2B5EF4-FFF2-40B4-BE49-F238E27FC236}">
-                <a16:creationId xmlns:a16="http://schemas.microsoft.com/office/drawing/2014/main" id="{ED0A4477-3871-4DF2-9A11-758395CBB30F}"/>
+                <a16:creationId xmlns:a16="http://schemas.microsoft.com/office/drawing/2014/main" xmlns="" id="{ED0A4477-3871-4DF2-9A11-758395CBB30F}"/>
               </a:ext>
             </a:extLst>
           </p:cNvPr>
@@ -4138,7 +4138,7 @@
           <p:cNvPr id="4" name="Group 3">
             <a:extLst>
               <a:ext uri="{FF2B5EF4-FFF2-40B4-BE49-F238E27FC236}">
-                <a16:creationId xmlns:a16="http://schemas.microsoft.com/office/drawing/2014/main" id="{CDE476F8-3202-455E-A5A9-12A7BD05A45E}"/>
+                <a16:creationId xmlns:a16="http://schemas.microsoft.com/office/drawing/2014/main" xmlns="" id="{CDE476F8-3202-455E-A5A9-12A7BD05A45E}"/>
               </a:ext>
             </a:extLst>
           </p:cNvPr>
@@ -4158,7 +4158,7 @@
             <p:cNvPr id="5" name="Graphic 4">
               <a:extLst>
                 <a:ext uri="{FF2B5EF4-FFF2-40B4-BE49-F238E27FC236}">
-                  <a16:creationId xmlns:a16="http://schemas.microsoft.com/office/drawing/2014/main" id="{E253B176-78F6-4B3B-BFA1-2D5A8310F440}"/>
+                  <a16:creationId xmlns:a16="http://schemas.microsoft.com/office/drawing/2014/main" xmlns="" id="{E253B176-78F6-4B3B-BFA1-2D5A8310F440}"/>
                 </a:ext>
               </a:extLst>
             </p:cNvPr>
@@ -4171,7 +4171,7 @@
             <a:blip r:embed="rId2">
               <a:extLst>
                 <a:ext uri="{96DAC541-7B7A-43D3-8B79-37D633B846F1}">
-                  <asvg:svgBlip xmlns:asvg="http://schemas.microsoft.com/office/drawing/2016/SVG/main" r:embed="rId3"/>
+                  <asvg:svgBlip xmlns:asvg="http://schemas.microsoft.com/office/drawing/2016/SVG/main" xmlns="" r:embed="rId3"/>
                 </a:ext>
               </a:extLst>
             </a:blip>
@@ -4194,7 +4194,7 @@
             <p:cNvPr id="7" name="Graphic 6">
               <a:extLst>
                 <a:ext uri="{FF2B5EF4-FFF2-40B4-BE49-F238E27FC236}">
-                  <a16:creationId xmlns:a16="http://schemas.microsoft.com/office/drawing/2014/main" id="{360A974D-3BFC-4EF7-9851-AC064B247D0B}"/>
+                  <a16:creationId xmlns:a16="http://schemas.microsoft.com/office/drawing/2014/main" xmlns="" id="{360A974D-3BFC-4EF7-9851-AC064B247D0B}"/>
                 </a:ext>
               </a:extLst>
             </p:cNvPr>
@@ -4207,7 +4207,7 @@
             <a:blip r:embed="rId4">
               <a:extLst>
                 <a:ext uri="{96DAC541-7B7A-43D3-8B79-37D633B846F1}">
-                  <asvg:svgBlip xmlns:asvg="http://schemas.microsoft.com/office/drawing/2016/SVG/main" r:embed="rId5"/>
+                  <asvg:svgBlip xmlns:asvg="http://schemas.microsoft.com/office/drawing/2016/SVG/main" xmlns="" r:embed="rId5"/>
                 </a:ext>
               </a:extLst>
             </a:blip>
@@ -4632,7 +4632,7 @@
           <p:cNvPr id="7" name="Group 6">
             <a:extLst>
               <a:ext uri="{FF2B5EF4-FFF2-40B4-BE49-F238E27FC236}">
-                <a16:creationId xmlns:a16="http://schemas.microsoft.com/office/drawing/2014/main" id="{93C1D21A-13FA-4921-8587-2676E9000AD2}"/>
+                <a16:creationId xmlns:a16="http://schemas.microsoft.com/office/drawing/2014/main" xmlns="" id="{93C1D21A-13FA-4921-8587-2676E9000AD2}"/>
               </a:ext>
             </a:extLst>
           </p:cNvPr>
@@ -4652,7 +4652,7 @@
             <p:cNvPr id="9" name="Graphic 8">
               <a:extLst>
                 <a:ext uri="{FF2B5EF4-FFF2-40B4-BE49-F238E27FC236}">
-                  <a16:creationId xmlns:a16="http://schemas.microsoft.com/office/drawing/2014/main" id="{1B6611E8-3581-489B-99BB-A28D1070497C}"/>
+                  <a16:creationId xmlns:a16="http://schemas.microsoft.com/office/drawing/2014/main" xmlns="" id="{1B6611E8-3581-489B-99BB-A28D1070497C}"/>
                 </a:ext>
               </a:extLst>
             </p:cNvPr>
@@ -4665,7 +4665,7 @@
             <a:blip r:embed="rId2">
               <a:extLst>
                 <a:ext uri="{96DAC541-7B7A-43D3-8B79-37D633B846F1}">
-                  <asvg:svgBlip xmlns:asvg="http://schemas.microsoft.com/office/drawing/2016/SVG/main" r:embed="rId3"/>
+                  <asvg:svgBlip xmlns:asvg="http://schemas.microsoft.com/office/drawing/2016/SVG/main" xmlns="" r:embed="rId3"/>
                 </a:ext>
               </a:extLst>
             </a:blip>
@@ -4688,7 +4688,7 @@
             <p:cNvPr id="10" name="Graphic 9">
               <a:extLst>
                 <a:ext uri="{FF2B5EF4-FFF2-40B4-BE49-F238E27FC236}">
-                  <a16:creationId xmlns:a16="http://schemas.microsoft.com/office/drawing/2014/main" id="{863807A5-741F-4EF9-ADF0-D6CF1F16FCF6}"/>
+                  <a16:creationId xmlns:a16="http://schemas.microsoft.com/office/drawing/2014/main" xmlns="" id="{863807A5-741F-4EF9-ADF0-D6CF1F16FCF6}"/>
                 </a:ext>
               </a:extLst>
             </p:cNvPr>
@@ -4701,7 +4701,7 @@
             <a:blip r:embed="rId4">
               <a:extLst>
                 <a:ext uri="{96DAC541-7B7A-43D3-8B79-37D633B846F1}">
-                  <asvg:svgBlip xmlns:asvg="http://schemas.microsoft.com/office/drawing/2016/SVG/main" r:embed="rId5"/>
+                  <asvg:svgBlip xmlns:asvg="http://schemas.microsoft.com/office/drawing/2016/SVG/main" xmlns="" r:embed="rId5"/>
                 </a:ext>
               </a:extLst>
             </a:blip>
@@ -4758,7 +4758,7 @@
           <p:cNvPr id="2" name="Title 1">
             <a:extLst>
               <a:ext uri="{FF2B5EF4-FFF2-40B4-BE49-F238E27FC236}">
-                <a16:creationId xmlns:a16="http://schemas.microsoft.com/office/drawing/2014/main" id="{6F594C3A-647A-4380-8F58-7DACBC37B8D6}"/>
+                <a16:creationId xmlns:a16="http://schemas.microsoft.com/office/drawing/2014/main" xmlns="" id="{6F594C3A-647A-4380-8F58-7DACBC37B8D6}"/>
               </a:ext>
             </a:extLst>
           </p:cNvPr>
@@ -4786,7 +4786,7 @@
           <p:cNvPr id="3" name="TextBox 2">
             <a:extLst>
               <a:ext uri="{FF2B5EF4-FFF2-40B4-BE49-F238E27FC236}">
-                <a16:creationId xmlns:a16="http://schemas.microsoft.com/office/drawing/2014/main" id="{E231ED1D-3304-42EE-8EF4-679A6BE4CBA5}"/>
+                <a16:creationId xmlns:a16="http://schemas.microsoft.com/office/drawing/2014/main" xmlns="" id="{E231ED1D-3304-42EE-8EF4-679A6BE4CBA5}"/>
               </a:ext>
             </a:extLst>
           </p:cNvPr>
@@ -4842,7 +4842,7 @@
           <p:cNvPr id="4" name="Group 3">
             <a:extLst>
               <a:ext uri="{FF2B5EF4-FFF2-40B4-BE49-F238E27FC236}">
-                <a16:creationId xmlns:a16="http://schemas.microsoft.com/office/drawing/2014/main" id="{BE68560B-FABA-46FC-9E46-CDAB6A110710}"/>
+                <a16:creationId xmlns:a16="http://schemas.microsoft.com/office/drawing/2014/main" xmlns="" id="{BE68560B-FABA-46FC-9E46-CDAB6A110710}"/>
               </a:ext>
             </a:extLst>
           </p:cNvPr>
@@ -4862,7 +4862,7 @@
             <p:cNvPr id="5" name="Graphic 4">
               <a:extLst>
                 <a:ext uri="{FF2B5EF4-FFF2-40B4-BE49-F238E27FC236}">
-                  <a16:creationId xmlns:a16="http://schemas.microsoft.com/office/drawing/2014/main" id="{E1FEB46C-624E-4AAB-9EB9-FCE899FE263B}"/>
+                  <a16:creationId xmlns:a16="http://schemas.microsoft.com/office/drawing/2014/main" xmlns="" id="{E1FEB46C-624E-4AAB-9EB9-FCE899FE263B}"/>
                 </a:ext>
               </a:extLst>
             </p:cNvPr>
@@ -4875,7 +4875,7 @@
             <a:blip r:embed="rId2">
               <a:extLst>
                 <a:ext uri="{96DAC541-7B7A-43D3-8B79-37D633B846F1}">
-                  <asvg:svgBlip xmlns:asvg="http://schemas.microsoft.com/office/drawing/2016/SVG/main" r:embed="rId3"/>
+                  <asvg:svgBlip xmlns:asvg="http://schemas.microsoft.com/office/drawing/2016/SVG/main" xmlns="" r:embed="rId3"/>
                 </a:ext>
               </a:extLst>
             </a:blip>
@@ -4898,7 +4898,7 @@
             <p:cNvPr id="6" name="Graphic 5">
               <a:extLst>
                 <a:ext uri="{FF2B5EF4-FFF2-40B4-BE49-F238E27FC236}">
-                  <a16:creationId xmlns:a16="http://schemas.microsoft.com/office/drawing/2014/main" id="{2CA957AC-BF71-4947-B985-BA3A07E7D5D8}"/>
+                  <a16:creationId xmlns:a16="http://schemas.microsoft.com/office/drawing/2014/main" xmlns="" id="{2CA957AC-BF71-4947-B985-BA3A07E7D5D8}"/>
                 </a:ext>
               </a:extLst>
             </p:cNvPr>
@@ -4911,7 +4911,7 @@
             <a:blip r:embed="rId4">
               <a:extLst>
                 <a:ext uri="{96DAC541-7B7A-43D3-8B79-37D633B846F1}">
-                  <asvg:svgBlip xmlns:asvg="http://schemas.microsoft.com/office/drawing/2016/SVG/main" r:embed="rId5"/>
+                  <asvg:svgBlip xmlns:asvg="http://schemas.microsoft.com/office/drawing/2016/SVG/main" xmlns="" r:embed="rId5"/>
                 </a:ext>
               </a:extLst>
             </a:blip>
@@ -5054,7 +5054,7 @@
           <p:cNvPr id="2" name="Graphic 1">
             <a:extLst>
               <a:ext uri="{FF2B5EF4-FFF2-40B4-BE49-F238E27FC236}">
-                <a16:creationId xmlns:a16="http://schemas.microsoft.com/office/drawing/2014/main" id="{BB4BD62E-DE50-443B-986C-2AABE50DB880}"/>
+                <a16:creationId xmlns:a16="http://schemas.microsoft.com/office/drawing/2014/main" xmlns="" id="{BB4BD62E-DE50-443B-986C-2AABE50DB880}"/>
               </a:ext>
             </a:extLst>
           </p:cNvPr>
@@ -5067,7 +5067,7 @@
           <a:blip r:embed="rId2">
             <a:extLst>
               <a:ext uri="{96DAC541-7B7A-43D3-8B79-37D633B846F1}">
-                <asvg:svgBlip xmlns:asvg="http://schemas.microsoft.com/office/drawing/2016/SVG/main" r:embed="rId3"/>
+                <asvg:svgBlip xmlns:asvg="http://schemas.microsoft.com/office/drawing/2016/SVG/main" xmlns="" r:embed="rId3"/>
               </a:ext>
             </a:extLst>
           </a:blip>
@@ -5090,7 +5090,7 @@
           <p:cNvPr id="10" name="Group 9">
             <a:extLst>
               <a:ext uri="{FF2B5EF4-FFF2-40B4-BE49-F238E27FC236}">
-                <a16:creationId xmlns:a16="http://schemas.microsoft.com/office/drawing/2014/main" id="{8BD419A9-3976-4DF8-9145-60230B9FFB3C}"/>
+                <a16:creationId xmlns:a16="http://schemas.microsoft.com/office/drawing/2014/main" xmlns="" id="{8BD419A9-3976-4DF8-9145-60230B9FFB3C}"/>
               </a:ext>
             </a:extLst>
           </p:cNvPr>
@@ -5110,7 +5110,7 @@
             <p:cNvPr id="11" name="Graphic 10">
               <a:extLst>
                 <a:ext uri="{FF2B5EF4-FFF2-40B4-BE49-F238E27FC236}">
-                  <a16:creationId xmlns:a16="http://schemas.microsoft.com/office/drawing/2014/main" id="{141958B7-CE9C-4B67-A849-E0B8FF21C0CF}"/>
+                  <a16:creationId xmlns:a16="http://schemas.microsoft.com/office/drawing/2014/main" xmlns="" id="{141958B7-CE9C-4B67-A849-E0B8FF21C0CF}"/>
                 </a:ext>
               </a:extLst>
             </p:cNvPr>
@@ -5123,7 +5123,7 @@
             <a:blip r:embed="rId4">
               <a:extLst>
                 <a:ext uri="{96DAC541-7B7A-43D3-8B79-37D633B846F1}">
-                  <asvg:svgBlip xmlns:asvg="http://schemas.microsoft.com/office/drawing/2016/SVG/main" r:embed="rId5"/>
+                  <asvg:svgBlip xmlns:asvg="http://schemas.microsoft.com/office/drawing/2016/SVG/main" xmlns="" r:embed="rId5"/>
                 </a:ext>
               </a:extLst>
             </a:blip>
@@ -5146,7 +5146,7 @@
             <p:cNvPr id="12" name="Graphic 11">
               <a:extLst>
                 <a:ext uri="{FF2B5EF4-FFF2-40B4-BE49-F238E27FC236}">
-                  <a16:creationId xmlns:a16="http://schemas.microsoft.com/office/drawing/2014/main" id="{D8E01EE3-1E92-417E-AC90-C15DFEF61D43}"/>
+                  <a16:creationId xmlns:a16="http://schemas.microsoft.com/office/drawing/2014/main" xmlns="" id="{D8E01EE3-1E92-417E-AC90-C15DFEF61D43}"/>
                 </a:ext>
               </a:extLst>
             </p:cNvPr>
@@ -5159,7 +5159,7 @@
             <a:blip r:embed="rId6">
               <a:extLst>
                 <a:ext uri="{96DAC541-7B7A-43D3-8B79-37D633B846F1}">
-                  <asvg:svgBlip xmlns:asvg="http://schemas.microsoft.com/office/drawing/2016/SVG/main" r:embed="rId7"/>
+                  <asvg:svgBlip xmlns:asvg="http://schemas.microsoft.com/office/drawing/2016/SVG/main" xmlns="" r:embed="rId7"/>
                 </a:ext>
               </a:extLst>
             </a:blip>
@@ -5224,7 +5224,7 @@
           <p:cNvPr id="2" name="Group 1">
             <a:extLst>
               <a:ext uri="{FF2B5EF4-FFF2-40B4-BE49-F238E27FC236}">
-                <a16:creationId xmlns:a16="http://schemas.microsoft.com/office/drawing/2014/main" id="{6BACD64E-7B30-4BDF-ABF7-F803B1083F61}"/>
+                <a16:creationId xmlns:a16="http://schemas.microsoft.com/office/drawing/2014/main" xmlns="" id="{6BACD64E-7B30-4BDF-ABF7-F803B1083F61}"/>
               </a:ext>
             </a:extLst>
           </p:cNvPr>
@@ -5244,7 +5244,7 @@
             <p:cNvPr id="3" name="Graphic 2">
               <a:extLst>
                 <a:ext uri="{FF2B5EF4-FFF2-40B4-BE49-F238E27FC236}">
-                  <a16:creationId xmlns:a16="http://schemas.microsoft.com/office/drawing/2014/main" id="{95DFAE61-01F8-4FDA-AD83-AEB7CFE0EAA0}"/>
+                  <a16:creationId xmlns:a16="http://schemas.microsoft.com/office/drawing/2014/main" xmlns="" id="{95DFAE61-01F8-4FDA-AD83-AEB7CFE0EAA0}"/>
                 </a:ext>
               </a:extLst>
             </p:cNvPr>
@@ -5257,7 +5257,7 @@
             <a:blip r:embed="rId2">
               <a:extLst>
                 <a:ext uri="{96DAC541-7B7A-43D3-8B79-37D633B846F1}">
-                  <asvg:svgBlip xmlns:asvg="http://schemas.microsoft.com/office/drawing/2016/SVG/main" r:embed="rId3"/>
+                  <asvg:svgBlip xmlns:asvg="http://schemas.microsoft.com/office/drawing/2016/SVG/main" xmlns="" r:embed="rId3"/>
                 </a:ext>
               </a:extLst>
             </a:blip>
@@ -5280,7 +5280,7 @@
             <p:cNvPr id="4" name="Graphic 3">
               <a:extLst>
                 <a:ext uri="{FF2B5EF4-FFF2-40B4-BE49-F238E27FC236}">
-                  <a16:creationId xmlns:a16="http://schemas.microsoft.com/office/drawing/2014/main" id="{9DC82A8E-25BA-42E9-A135-BF4F0C9994F4}"/>
+                  <a16:creationId xmlns:a16="http://schemas.microsoft.com/office/drawing/2014/main" xmlns="" id="{9DC82A8E-25BA-42E9-A135-BF4F0C9994F4}"/>
                 </a:ext>
               </a:extLst>
             </p:cNvPr>
@@ -5293,7 +5293,7 @@
             <a:blip r:embed="rId4">
               <a:extLst>
                 <a:ext uri="{96DAC541-7B7A-43D3-8B79-37D633B846F1}">
-                  <asvg:svgBlip xmlns:asvg="http://schemas.microsoft.com/office/drawing/2016/SVG/main" r:embed="rId5"/>
+                  <asvg:svgBlip xmlns:asvg="http://schemas.microsoft.com/office/drawing/2016/SVG/main" xmlns="" r:embed="rId5"/>
                 </a:ext>
               </a:extLst>
             </a:blip>
@@ -5350,7 +5350,7 @@
           <p:cNvPr id="2" name="Group 1">
             <a:extLst>
               <a:ext uri="{FF2B5EF4-FFF2-40B4-BE49-F238E27FC236}">
-                <a16:creationId xmlns:a16="http://schemas.microsoft.com/office/drawing/2014/main" id="{B92C0DE0-809E-480D-A302-52199EA4E01D}"/>
+                <a16:creationId xmlns:a16="http://schemas.microsoft.com/office/drawing/2014/main" xmlns="" id="{B92C0DE0-809E-480D-A302-52199EA4E01D}"/>
               </a:ext>
             </a:extLst>
           </p:cNvPr>
@@ -5370,7 +5370,7 @@
             <p:cNvPr id="3" name="Graphic 2">
               <a:extLst>
                 <a:ext uri="{FF2B5EF4-FFF2-40B4-BE49-F238E27FC236}">
-                  <a16:creationId xmlns:a16="http://schemas.microsoft.com/office/drawing/2014/main" id="{8F8F7AFC-92D9-46BF-8A25-AD8402D00C36}"/>
+                  <a16:creationId xmlns:a16="http://schemas.microsoft.com/office/drawing/2014/main" xmlns="" id="{8F8F7AFC-92D9-46BF-8A25-AD8402D00C36}"/>
                 </a:ext>
               </a:extLst>
             </p:cNvPr>
@@ -5383,7 +5383,7 @@
             <a:blip r:embed="rId2">
               <a:extLst>
                 <a:ext uri="{96DAC541-7B7A-43D3-8B79-37D633B846F1}">
-                  <asvg:svgBlip xmlns:asvg="http://schemas.microsoft.com/office/drawing/2016/SVG/main" r:embed="rId3"/>
+                  <asvg:svgBlip xmlns:asvg="http://schemas.microsoft.com/office/drawing/2016/SVG/main" xmlns="" r:embed="rId3"/>
                 </a:ext>
               </a:extLst>
             </a:blip>
@@ -5406,7 +5406,7 @@
             <p:cNvPr id="4" name="Graphic 3">
               <a:extLst>
                 <a:ext uri="{FF2B5EF4-FFF2-40B4-BE49-F238E27FC236}">
-                  <a16:creationId xmlns:a16="http://schemas.microsoft.com/office/drawing/2014/main" id="{0C0E3486-C341-499D-90C0-6A68CEE94F06}"/>
+                  <a16:creationId xmlns:a16="http://schemas.microsoft.com/office/drawing/2014/main" xmlns="" id="{0C0E3486-C341-499D-90C0-6A68CEE94F06}"/>
                 </a:ext>
               </a:extLst>
             </p:cNvPr>
@@ -5419,7 +5419,7 @@
             <a:blip r:embed="rId4">
               <a:extLst>
                 <a:ext uri="{96DAC541-7B7A-43D3-8B79-37D633B846F1}">
-                  <asvg:svgBlip xmlns:asvg="http://schemas.microsoft.com/office/drawing/2016/SVG/main" r:embed="rId5"/>
+                  <asvg:svgBlip xmlns:asvg="http://schemas.microsoft.com/office/drawing/2016/SVG/main" xmlns="" r:embed="rId5"/>
                 </a:ext>
               </a:extLst>
             </a:blip>
@@ -5476,7 +5476,7 @@
           <p:cNvPr id="2" name="Title 1">
             <a:extLst>
               <a:ext uri="{FF2B5EF4-FFF2-40B4-BE49-F238E27FC236}">
-                <a16:creationId xmlns:a16="http://schemas.microsoft.com/office/drawing/2014/main" id="{BE031D6D-0F12-4CD2-8FD3-A49D481D92E9}"/>
+                <a16:creationId xmlns:a16="http://schemas.microsoft.com/office/drawing/2014/main" xmlns="" id="{BE031D6D-0F12-4CD2-8FD3-A49D481D92E9}"/>
               </a:ext>
             </a:extLst>
           </p:cNvPr>
@@ -5504,7 +5504,7 @@
           <p:cNvPr id="3" name="Content Placeholder 2">
             <a:extLst>
               <a:ext uri="{FF2B5EF4-FFF2-40B4-BE49-F238E27FC236}">
-                <a16:creationId xmlns:a16="http://schemas.microsoft.com/office/drawing/2014/main" id="{4F3694A2-CD74-481C-9653-8AF1DC493C3F}"/>
+                <a16:creationId xmlns:a16="http://schemas.microsoft.com/office/drawing/2014/main" xmlns="" id="{4F3694A2-CD74-481C-9653-8AF1DC493C3F}"/>
               </a:ext>
             </a:extLst>
           </p:cNvPr>
@@ -5561,7 +5561,7 @@
           <p:cNvPr id="4" name="Date Placeholder 3">
             <a:extLst>
               <a:ext uri="{FF2B5EF4-FFF2-40B4-BE49-F238E27FC236}">
-                <a16:creationId xmlns:a16="http://schemas.microsoft.com/office/drawing/2014/main" id="{D95F63CD-BA47-4893-98F9-B0B5BCC19CFE}"/>
+                <a16:creationId xmlns:a16="http://schemas.microsoft.com/office/drawing/2014/main" xmlns="" id="{D95F63CD-BA47-4893-98F9-B0B5BCC19CFE}"/>
               </a:ext>
             </a:extLst>
           </p:cNvPr>
@@ -5590,7 +5590,7 @@
           <p:cNvPr id="5" name="Footer Placeholder 4">
             <a:extLst>
               <a:ext uri="{FF2B5EF4-FFF2-40B4-BE49-F238E27FC236}">
-                <a16:creationId xmlns:a16="http://schemas.microsoft.com/office/drawing/2014/main" id="{59A49D36-BECE-4BEA-B68E-E0A53DF4A6CA}"/>
+                <a16:creationId xmlns:a16="http://schemas.microsoft.com/office/drawing/2014/main" xmlns="" id="{59A49D36-BECE-4BEA-B68E-E0A53DF4A6CA}"/>
               </a:ext>
             </a:extLst>
           </p:cNvPr>
@@ -5615,7 +5615,7 @@
           <p:cNvPr id="6" name="Slide Number Placeholder 5">
             <a:extLst>
               <a:ext uri="{FF2B5EF4-FFF2-40B4-BE49-F238E27FC236}">
-                <a16:creationId xmlns:a16="http://schemas.microsoft.com/office/drawing/2014/main" id="{64A1AA3E-992B-41D0-B212-DB41E4AFCF84}"/>
+                <a16:creationId xmlns:a16="http://schemas.microsoft.com/office/drawing/2014/main" xmlns="" id="{64A1AA3E-992B-41D0-B212-DB41E4AFCF84}"/>
               </a:ext>
             </a:extLst>
           </p:cNvPr>
@@ -5682,7 +5682,7 @@
           <p:cNvPr id="11" name="Graphic 10">
             <a:extLst>
               <a:ext uri="{FF2B5EF4-FFF2-40B4-BE49-F238E27FC236}">
-                <a16:creationId xmlns:a16="http://schemas.microsoft.com/office/drawing/2014/main" id="{279FFEB9-2BE6-4DB6-8DCA-DBA500633B62}"/>
+                <a16:creationId xmlns:a16="http://schemas.microsoft.com/office/drawing/2014/main" xmlns="" id="{279FFEB9-2BE6-4DB6-8DCA-DBA500633B62}"/>
               </a:ext>
             </a:extLst>
           </p:cNvPr>
@@ -5695,7 +5695,7 @@
           <a:blip r:embed="rId2">
             <a:extLst>
               <a:ext uri="{96DAC541-7B7A-43D3-8B79-37D633B846F1}">
-                <asvg:svgBlip xmlns:asvg="http://schemas.microsoft.com/office/drawing/2016/SVG/main" r:embed="rId3"/>
+                <asvg:svgBlip xmlns:asvg="http://schemas.microsoft.com/office/drawing/2016/SVG/main" xmlns="" r:embed="rId3"/>
               </a:ext>
             </a:extLst>
           </a:blip>
@@ -5718,7 +5718,7 @@
           <p:cNvPr id="10" name="Graphic 9">
             <a:extLst>
               <a:ext uri="{FF2B5EF4-FFF2-40B4-BE49-F238E27FC236}">
-                <a16:creationId xmlns:a16="http://schemas.microsoft.com/office/drawing/2014/main" id="{9E39216E-F59B-4BC9-B7CE-10A9447E2059}"/>
+                <a16:creationId xmlns:a16="http://schemas.microsoft.com/office/drawing/2014/main" xmlns="" id="{9E39216E-F59B-4BC9-B7CE-10A9447E2059}"/>
               </a:ext>
             </a:extLst>
           </p:cNvPr>
@@ -5731,7 +5731,7 @@
           <a:blip r:embed="rId4">
             <a:extLst>
               <a:ext uri="{96DAC541-7B7A-43D3-8B79-37D633B846F1}">
-                <asvg:svgBlip xmlns:asvg="http://schemas.microsoft.com/office/drawing/2016/SVG/main" r:embed="rId5"/>
+                <asvg:svgBlip xmlns:asvg="http://schemas.microsoft.com/office/drawing/2016/SVG/main" xmlns="" r:embed="rId5"/>
               </a:ext>
             </a:extLst>
           </a:blip>
@@ -5754,7 +5754,7 @@
           <p:cNvPr id="18" name="Rectangle 17">
             <a:extLst>
               <a:ext uri="{FF2B5EF4-FFF2-40B4-BE49-F238E27FC236}">
-                <a16:creationId xmlns:a16="http://schemas.microsoft.com/office/drawing/2014/main" id="{00414B93-1C7A-463B-94D3-C75120E48B38}"/>
+                <a16:creationId xmlns:a16="http://schemas.microsoft.com/office/drawing/2014/main" xmlns="" id="{00414B93-1C7A-463B-94D3-C75120E48B38}"/>
               </a:ext>
             </a:extLst>
           </p:cNvPr>
@@ -5866,7 +5866,7 @@
           <p:cNvPr id="7" name="Graphic 6">
             <a:extLst>
               <a:ext uri="{FF2B5EF4-FFF2-40B4-BE49-F238E27FC236}">
-                <a16:creationId xmlns:a16="http://schemas.microsoft.com/office/drawing/2014/main" id="{0EDE7E98-2515-4CF5-A7F5-85F9915B5AC4}"/>
+                <a16:creationId xmlns:a16="http://schemas.microsoft.com/office/drawing/2014/main" xmlns="" id="{0EDE7E98-2515-4CF5-A7F5-85F9915B5AC4}"/>
               </a:ext>
             </a:extLst>
           </p:cNvPr>
@@ -5879,7 +5879,7 @@
           <a:blip r:embed="rId7">
             <a:extLst>
               <a:ext uri="{96DAC541-7B7A-43D3-8B79-37D633B846F1}">
-                <asvg:svgBlip xmlns:asvg="http://schemas.microsoft.com/office/drawing/2016/SVG/main" r:embed="rId8"/>
+                <asvg:svgBlip xmlns:asvg="http://schemas.microsoft.com/office/drawing/2016/SVG/main" xmlns="" r:embed="rId8"/>
               </a:ext>
             </a:extLst>
           </a:blip>
@@ -5998,7 +5998,7 @@
           <p:cNvPr id="15" name="Graphic 14">
             <a:extLst>
               <a:ext uri="{FF2B5EF4-FFF2-40B4-BE49-F238E27FC236}">
-                <a16:creationId xmlns:a16="http://schemas.microsoft.com/office/drawing/2014/main" id="{7419D4D3-1264-4226-98C4-F3F8AF090AD0}"/>
+                <a16:creationId xmlns:a16="http://schemas.microsoft.com/office/drawing/2014/main" xmlns="" id="{7419D4D3-1264-4226-98C4-F3F8AF090AD0}"/>
               </a:ext>
             </a:extLst>
           </p:cNvPr>
@@ -6011,7 +6011,7 @@
           <a:blip r:embed="rId9">
             <a:extLst>
               <a:ext uri="{96DAC541-7B7A-43D3-8B79-37D633B846F1}">
-                <asvg:svgBlip xmlns:asvg="http://schemas.microsoft.com/office/drawing/2016/SVG/main" r:embed="rId10"/>
+                <asvg:svgBlip xmlns:asvg="http://schemas.microsoft.com/office/drawing/2016/SVG/main" xmlns="" r:embed="rId10"/>
               </a:ext>
             </a:extLst>
           </a:blip>
@@ -6168,7 +6168,7 @@
           <p:cNvPr id="2" name="Group 1">
             <a:extLst>
               <a:ext uri="{FF2B5EF4-FFF2-40B4-BE49-F238E27FC236}">
-                <a16:creationId xmlns:a16="http://schemas.microsoft.com/office/drawing/2014/main" id="{25026E39-F3F6-4370-872F-DB51A116C464}"/>
+                <a16:creationId xmlns:a16="http://schemas.microsoft.com/office/drawing/2014/main" xmlns="" id="{25026E39-F3F6-4370-872F-DB51A116C464}"/>
               </a:ext>
             </a:extLst>
           </p:cNvPr>
@@ -6188,7 +6188,7 @@
             <p:cNvPr id="5" name="Graphic 4">
               <a:extLst>
                 <a:ext uri="{FF2B5EF4-FFF2-40B4-BE49-F238E27FC236}">
-                  <a16:creationId xmlns:a16="http://schemas.microsoft.com/office/drawing/2014/main" id="{373B7F5B-B5C7-4AE8-962E-C131CC184BDA}"/>
+                  <a16:creationId xmlns:a16="http://schemas.microsoft.com/office/drawing/2014/main" xmlns="" id="{373B7F5B-B5C7-4AE8-962E-C131CC184BDA}"/>
                 </a:ext>
               </a:extLst>
             </p:cNvPr>
@@ -6201,7 +6201,7 @@
             <a:blip r:embed="rId2">
               <a:extLst>
                 <a:ext uri="{96DAC541-7B7A-43D3-8B79-37D633B846F1}">
-                  <asvg:svgBlip xmlns:asvg="http://schemas.microsoft.com/office/drawing/2016/SVG/main" r:embed="rId3"/>
+                  <asvg:svgBlip xmlns:asvg="http://schemas.microsoft.com/office/drawing/2016/SVG/main" xmlns="" r:embed="rId3"/>
                 </a:ext>
               </a:extLst>
             </a:blip>
@@ -6224,7 +6224,7 @@
             <p:cNvPr id="7" name="Graphic 6">
               <a:extLst>
                 <a:ext uri="{FF2B5EF4-FFF2-40B4-BE49-F238E27FC236}">
-                  <a16:creationId xmlns:a16="http://schemas.microsoft.com/office/drawing/2014/main" id="{0B0B979A-F2FE-4510-B2F2-A29CF887A547}"/>
+                  <a16:creationId xmlns:a16="http://schemas.microsoft.com/office/drawing/2014/main" xmlns="" id="{0B0B979A-F2FE-4510-B2F2-A29CF887A547}"/>
                 </a:ext>
               </a:extLst>
             </p:cNvPr>
@@ -6237,7 +6237,7 @@
             <a:blip r:embed="rId4">
               <a:extLst>
                 <a:ext uri="{96DAC541-7B7A-43D3-8B79-37D633B846F1}">
-                  <asvg:svgBlip xmlns:asvg="http://schemas.microsoft.com/office/drawing/2016/SVG/main" r:embed="rId5"/>
+                  <asvg:svgBlip xmlns:asvg="http://schemas.microsoft.com/office/drawing/2016/SVG/main" xmlns="" r:embed="rId5"/>
                 </a:ext>
               </a:extLst>
             </a:blip>
@@ -6500,7 +6500,7 @@
           <p:cNvPr id="6" name="Group 5">
             <a:extLst>
               <a:ext uri="{FF2B5EF4-FFF2-40B4-BE49-F238E27FC236}">
-                <a16:creationId xmlns:a16="http://schemas.microsoft.com/office/drawing/2014/main" id="{3F8A6C2C-5B06-40D9-A918-8F0304E8B4DB}"/>
+                <a16:creationId xmlns:a16="http://schemas.microsoft.com/office/drawing/2014/main" xmlns="" id="{3F8A6C2C-5B06-40D9-A918-8F0304E8B4DB}"/>
               </a:ext>
             </a:extLst>
           </p:cNvPr>
@@ -6520,7 +6520,7 @@
             <p:cNvPr id="7" name="Graphic 6">
               <a:extLst>
                 <a:ext uri="{FF2B5EF4-FFF2-40B4-BE49-F238E27FC236}">
-                  <a16:creationId xmlns:a16="http://schemas.microsoft.com/office/drawing/2014/main" id="{FB5C1E37-7655-4446-9EBC-E01AE514F3F9}"/>
+                  <a16:creationId xmlns:a16="http://schemas.microsoft.com/office/drawing/2014/main" xmlns="" id="{FB5C1E37-7655-4446-9EBC-E01AE514F3F9}"/>
                 </a:ext>
               </a:extLst>
             </p:cNvPr>
@@ -6533,7 +6533,7 @@
             <a:blip r:embed="rId2">
               <a:extLst>
                 <a:ext uri="{96DAC541-7B7A-43D3-8B79-37D633B846F1}">
-                  <asvg:svgBlip xmlns:asvg="http://schemas.microsoft.com/office/drawing/2016/SVG/main" r:embed="rId3"/>
+                  <asvg:svgBlip xmlns:asvg="http://schemas.microsoft.com/office/drawing/2016/SVG/main" xmlns="" r:embed="rId3"/>
                 </a:ext>
               </a:extLst>
             </a:blip>
@@ -6556,7 +6556,7 @@
             <p:cNvPr id="8" name="Graphic 7">
               <a:extLst>
                 <a:ext uri="{FF2B5EF4-FFF2-40B4-BE49-F238E27FC236}">
-                  <a16:creationId xmlns:a16="http://schemas.microsoft.com/office/drawing/2014/main" id="{2F54BCBA-F990-40A0-A9AC-91C9518E84E6}"/>
+                  <a16:creationId xmlns:a16="http://schemas.microsoft.com/office/drawing/2014/main" xmlns="" id="{2F54BCBA-F990-40A0-A9AC-91C9518E84E6}"/>
                 </a:ext>
               </a:extLst>
             </p:cNvPr>
@@ -6569,7 +6569,7 @@
             <a:blip r:embed="rId4">
               <a:extLst>
                 <a:ext uri="{96DAC541-7B7A-43D3-8B79-37D633B846F1}">
-                  <asvg:svgBlip xmlns:asvg="http://schemas.microsoft.com/office/drawing/2016/SVG/main" r:embed="rId5"/>
+                  <asvg:svgBlip xmlns:asvg="http://schemas.microsoft.com/office/drawing/2016/SVG/main" xmlns="" r:embed="rId5"/>
                 </a:ext>
               </a:extLst>
             </a:blip>
@@ -6656,7 +6656,7 @@
           <p:cNvPr id="3" name="Group 2">
             <a:extLst>
               <a:ext uri="{FF2B5EF4-FFF2-40B4-BE49-F238E27FC236}">
-                <a16:creationId xmlns:a16="http://schemas.microsoft.com/office/drawing/2014/main" id="{2BC7B2AD-8F10-45F8-AFF0-5A1C54B5FBBD}"/>
+                <a16:creationId xmlns:a16="http://schemas.microsoft.com/office/drawing/2014/main" xmlns="" id="{2BC7B2AD-8F10-45F8-AFF0-5A1C54B5FBBD}"/>
               </a:ext>
             </a:extLst>
           </p:cNvPr>
@@ -6676,7 +6676,7 @@
             <p:cNvPr id="4" name="Graphic 3">
               <a:extLst>
                 <a:ext uri="{FF2B5EF4-FFF2-40B4-BE49-F238E27FC236}">
-                  <a16:creationId xmlns:a16="http://schemas.microsoft.com/office/drawing/2014/main" id="{E1CC39A0-ED90-447F-98FD-02E1C4E501C1}"/>
+                  <a16:creationId xmlns:a16="http://schemas.microsoft.com/office/drawing/2014/main" xmlns="" id="{E1CC39A0-ED90-447F-98FD-02E1C4E501C1}"/>
                 </a:ext>
               </a:extLst>
             </p:cNvPr>
@@ -6689,7 +6689,7 @@
             <a:blip r:embed="rId2">
               <a:extLst>
                 <a:ext uri="{96DAC541-7B7A-43D3-8B79-37D633B846F1}">
-                  <asvg:svgBlip xmlns:asvg="http://schemas.microsoft.com/office/drawing/2016/SVG/main" r:embed="rId3"/>
+                  <asvg:svgBlip xmlns:asvg="http://schemas.microsoft.com/office/drawing/2016/SVG/main" xmlns="" r:embed="rId3"/>
                 </a:ext>
               </a:extLst>
             </a:blip>
@@ -6712,7 +6712,7 @@
             <p:cNvPr id="5" name="Graphic 4">
               <a:extLst>
                 <a:ext uri="{FF2B5EF4-FFF2-40B4-BE49-F238E27FC236}">
-                  <a16:creationId xmlns:a16="http://schemas.microsoft.com/office/drawing/2014/main" id="{E36217F5-D827-449B-A9FE-684F2E9AE879}"/>
+                  <a16:creationId xmlns:a16="http://schemas.microsoft.com/office/drawing/2014/main" xmlns="" id="{E36217F5-D827-449B-A9FE-684F2E9AE879}"/>
                 </a:ext>
               </a:extLst>
             </p:cNvPr>
@@ -6725,7 +6725,7 @@
             <a:blip r:embed="rId4">
               <a:extLst>
                 <a:ext uri="{96DAC541-7B7A-43D3-8B79-37D633B846F1}">
-                  <asvg:svgBlip xmlns:asvg="http://schemas.microsoft.com/office/drawing/2016/SVG/main" r:embed="rId5"/>
+                  <asvg:svgBlip xmlns:asvg="http://schemas.microsoft.com/office/drawing/2016/SVG/main" xmlns="" r:embed="rId5"/>
                 </a:ext>
               </a:extLst>
             </a:blip>
@@ -6787,7 +6787,7 @@
           <p:cNvPr id="2" name="Graphic 1">
             <a:extLst>
               <a:ext uri="{FF2B5EF4-FFF2-40B4-BE49-F238E27FC236}">
-                <a16:creationId xmlns:a16="http://schemas.microsoft.com/office/drawing/2014/main" id="{5E0A57BE-82BA-4DCD-B0B6-AC816A5C5DB7}"/>
+                <a16:creationId xmlns:a16="http://schemas.microsoft.com/office/drawing/2014/main" xmlns="" id="{5E0A57BE-82BA-4DCD-B0B6-AC816A5C5DB7}"/>
               </a:ext>
             </a:extLst>
           </p:cNvPr>
@@ -6800,7 +6800,7 @@
           <a:blip r:embed="rId2">
             <a:extLst>
               <a:ext uri="{96DAC541-7B7A-43D3-8B79-37D633B846F1}">
-                <asvg:svgBlip xmlns:asvg="http://schemas.microsoft.com/office/drawing/2016/SVG/main" r:embed="rId3"/>
+                <asvg:svgBlip xmlns:asvg="http://schemas.microsoft.com/office/drawing/2016/SVG/main" xmlns="" r:embed="rId3"/>
               </a:ext>
             </a:extLst>
           </a:blip>
@@ -6852,7 +6852,7 @@
           <p:cNvPr id="5" name="Group 4">
             <a:extLst>
               <a:ext uri="{FF2B5EF4-FFF2-40B4-BE49-F238E27FC236}">
-                <a16:creationId xmlns:a16="http://schemas.microsoft.com/office/drawing/2014/main" id="{90EF4A5C-345F-488C-AC5E-0AF3B8376036}"/>
+                <a16:creationId xmlns:a16="http://schemas.microsoft.com/office/drawing/2014/main" xmlns="" id="{90EF4A5C-345F-488C-AC5E-0AF3B8376036}"/>
               </a:ext>
             </a:extLst>
           </p:cNvPr>
@@ -6872,7 +6872,7 @@
             <p:cNvPr id="7" name="Picture 6">
               <a:extLst>
                 <a:ext uri="{FF2B5EF4-FFF2-40B4-BE49-F238E27FC236}">
-                  <a16:creationId xmlns:a16="http://schemas.microsoft.com/office/drawing/2014/main" id="{CC8E3C5F-48E2-412C-A5AF-F85384D5EE53}"/>
+                  <a16:creationId xmlns:a16="http://schemas.microsoft.com/office/drawing/2014/main" xmlns="" id="{CC8E3C5F-48E2-412C-A5AF-F85384D5EE53}"/>
                 </a:ext>
               </a:extLst>
             </p:cNvPr>
@@ -6908,7 +6908,7 @@
             <p:cNvPr id="8" name="TextBox 7">
               <a:extLst>
                 <a:ext uri="{FF2B5EF4-FFF2-40B4-BE49-F238E27FC236}">
-                  <a16:creationId xmlns:a16="http://schemas.microsoft.com/office/drawing/2014/main" id="{0A9EAD12-9B65-48D0-91A3-85F3DD932746}"/>
+                  <a16:creationId xmlns:a16="http://schemas.microsoft.com/office/drawing/2014/main" xmlns="" id="{0A9EAD12-9B65-48D0-91A3-85F3DD932746}"/>
                 </a:ext>
               </a:extLst>
             </p:cNvPr>
@@ -6958,7 +6958,7 @@
           <p:cNvPr id="11" name="Group 10">
             <a:extLst>
               <a:ext uri="{FF2B5EF4-FFF2-40B4-BE49-F238E27FC236}">
-                <a16:creationId xmlns:a16="http://schemas.microsoft.com/office/drawing/2014/main" id="{1D467257-5022-4D1F-B0B2-9C7A91288EE4}"/>
+                <a16:creationId xmlns:a16="http://schemas.microsoft.com/office/drawing/2014/main" xmlns="" id="{1D467257-5022-4D1F-B0B2-9C7A91288EE4}"/>
               </a:ext>
             </a:extLst>
           </p:cNvPr>
@@ -6978,7 +6978,7 @@
             <p:cNvPr id="12" name="Graphic 11">
               <a:extLst>
                 <a:ext uri="{FF2B5EF4-FFF2-40B4-BE49-F238E27FC236}">
-                  <a16:creationId xmlns:a16="http://schemas.microsoft.com/office/drawing/2014/main" id="{100EE183-EAAD-43DD-9F1B-6BE5EB5F2F09}"/>
+                  <a16:creationId xmlns:a16="http://schemas.microsoft.com/office/drawing/2014/main" xmlns="" id="{100EE183-EAAD-43DD-9F1B-6BE5EB5F2F09}"/>
                 </a:ext>
               </a:extLst>
             </p:cNvPr>
@@ -6991,7 +6991,7 @@
             <a:blip r:embed="rId6">
               <a:extLst>
                 <a:ext uri="{96DAC541-7B7A-43D3-8B79-37D633B846F1}">
-                  <asvg:svgBlip xmlns:asvg="http://schemas.microsoft.com/office/drawing/2016/SVG/main" r:embed="rId7"/>
+                  <asvg:svgBlip xmlns:asvg="http://schemas.microsoft.com/office/drawing/2016/SVG/main" xmlns="" r:embed="rId7"/>
                 </a:ext>
               </a:extLst>
             </a:blip>
@@ -7014,7 +7014,7 @@
             <p:cNvPr id="13" name="Graphic 12">
               <a:extLst>
                 <a:ext uri="{FF2B5EF4-FFF2-40B4-BE49-F238E27FC236}">
-                  <a16:creationId xmlns:a16="http://schemas.microsoft.com/office/drawing/2014/main" id="{61179E32-2390-48A8-BF0B-A73B1A50C2ED}"/>
+                  <a16:creationId xmlns:a16="http://schemas.microsoft.com/office/drawing/2014/main" xmlns="" id="{61179E32-2390-48A8-BF0B-A73B1A50C2ED}"/>
                 </a:ext>
               </a:extLst>
             </p:cNvPr>
@@ -7027,7 +7027,7 @@
             <a:blip r:embed="rId8">
               <a:extLst>
                 <a:ext uri="{96DAC541-7B7A-43D3-8B79-37D633B846F1}">
-                  <asvg:svgBlip xmlns:asvg="http://schemas.microsoft.com/office/drawing/2016/SVG/main" r:embed="rId9"/>
+                  <asvg:svgBlip xmlns:asvg="http://schemas.microsoft.com/office/drawing/2016/SVG/main" xmlns="" r:embed="rId9"/>
                 </a:ext>
               </a:extLst>
             </a:blip>
@@ -7220,7 +7220,7 @@
           <p:cNvPr id="7" name="Group 6">
             <a:extLst>
               <a:ext uri="{FF2B5EF4-FFF2-40B4-BE49-F238E27FC236}">
-                <a16:creationId xmlns:a16="http://schemas.microsoft.com/office/drawing/2014/main" id="{97550BA1-B17C-488A-B13B-EAE642576B33}"/>
+                <a16:creationId xmlns:a16="http://schemas.microsoft.com/office/drawing/2014/main" xmlns="" id="{97550BA1-B17C-488A-B13B-EAE642576B33}"/>
               </a:ext>
             </a:extLst>
           </p:cNvPr>
@@ -7240,7 +7240,7 @@
             <p:cNvPr id="8" name="Picture 7">
               <a:extLst>
                 <a:ext uri="{FF2B5EF4-FFF2-40B4-BE49-F238E27FC236}">
-                  <a16:creationId xmlns:a16="http://schemas.microsoft.com/office/drawing/2014/main" id="{26C5F131-CDD3-4833-8C45-E235D5E9F73B}"/>
+                  <a16:creationId xmlns:a16="http://schemas.microsoft.com/office/drawing/2014/main" xmlns="" id="{26C5F131-CDD3-4833-8C45-E235D5E9F73B}"/>
                 </a:ext>
               </a:extLst>
             </p:cNvPr>
@@ -7276,7 +7276,7 @@
             <p:cNvPr id="9" name="TextBox 8">
               <a:extLst>
                 <a:ext uri="{FF2B5EF4-FFF2-40B4-BE49-F238E27FC236}">
-                  <a16:creationId xmlns:a16="http://schemas.microsoft.com/office/drawing/2014/main" id="{9DBC19F9-263B-4FF9-BEAE-41F5BF5689F3}"/>
+                  <a16:creationId xmlns:a16="http://schemas.microsoft.com/office/drawing/2014/main" xmlns="" id="{9DBC19F9-263B-4FF9-BEAE-41F5BF5689F3}"/>
                 </a:ext>
               </a:extLst>
             </p:cNvPr>
@@ -7326,7 +7326,7 @@
           <p:cNvPr id="3" name="Graphic 2">
             <a:extLst>
               <a:ext uri="{FF2B5EF4-FFF2-40B4-BE49-F238E27FC236}">
-                <a16:creationId xmlns:a16="http://schemas.microsoft.com/office/drawing/2014/main" id="{01202919-2AB2-4208-B4CC-1AAF68D6BF31}"/>
+                <a16:creationId xmlns:a16="http://schemas.microsoft.com/office/drawing/2014/main" xmlns="" id="{01202919-2AB2-4208-B4CC-1AAF68D6BF31}"/>
               </a:ext>
             </a:extLst>
           </p:cNvPr>
@@ -7339,7 +7339,7 @@
           <a:blip r:embed="rId3">
             <a:extLst>
               <a:ext uri="{96DAC541-7B7A-43D3-8B79-37D633B846F1}">
-                <asvg:svgBlip xmlns:asvg="http://schemas.microsoft.com/office/drawing/2016/SVG/main" r:embed="rId4"/>
+                <asvg:svgBlip xmlns:asvg="http://schemas.microsoft.com/office/drawing/2016/SVG/main" xmlns="" r:embed="rId4"/>
               </a:ext>
             </a:extLst>
           </a:blip>
@@ -7362,7 +7362,7 @@
           <p:cNvPr id="10" name="Group 9">
             <a:extLst>
               <a:ext uri="{FF2B5EF4-FFF2-40B4-BE49-F238E27FC236}">
-                <a16:creationId xmlns:a16="http://schemas.microsoft.com/office/drawing/2014/main" id="{B9AD06D6-106C-48C4-943A-D2AFED171FBC}"/>
+                <a16:creationId xmlns:a16="http://schemas.microsoft.com/office/drawing/2014/main" xmlns="" id="{B9AD06D6-106C-48C4-943A-D2AFED171FBC}"/>
               </a:ext>
             </a:extLst>
           </p:cNvPr>
@@ -7382,7 +7382,7 @@
             <p:cNvPr id="11" name="Graphic 10">
               <a:extLst>
                 <a:ext uri="{FF2B5EF4-FFF2-40B4-BE49-F238E27FC236}">
-                  <a16:creationId xmlns:a16="http://schemas.microsoft.com/office/drawing/2014/main" id="{E39DB406-299D-4968-BFC9-8479320EA0FC}"/>
+                  <a16:creationId xmlns:a16="http://schemas.microsoft.com/office/drawing/2014/main" xmlns="" id="{E39DB406-299D-4968-BFC9-8479320EA0FC}"/>
                 </a:ext>
               </a:extLst>
             </p:cNvPr>
@@ -7395,7 +7395,7 @@
             <a:blip r:embed="rId5">
               <a:extLst>
                 <a:ext uri="{96DAC541-7B7A-43D3-8B79-37D633B846F1}">
-                  <asvg:svgBlip xmlns:asvg="http://schemas.microsoft.com/office/drawing/2016/SVG/main" r:embed="rId6"/>
+                  <asvg:svgBlip xmlns:asvg="http://schemas.microsoft.com/office/drawing/2016/SVG/main" xmlns="" r:embed="rId6"/>
                 </a:ext>
               </a:extLst>
             </a:blip>
@@ -7418,7 +7418,7 @@
             <p:cNvPr id="12" name="Graphic 11">
               <a:extLst>
                 <a:ext uri="{FF2B5EF4-FFF2-40B4-BE49-F238E27FC236}">
-                  <a16:creationId xmlns:a16="http://schemas.microsoft.com/office/drawing/2014/main" id="{9020996D-F71B-4312-BFAE-07E65110E99D}"/>
+                  <a16:creationId xmlns:a16="http://schemas.microsoft.com/office/drawing/2014/main" xmlns="" id="{9020996D-F71B-4312-BFAE-07E65110E99D}"/>
                 </a:ext>
               </a:extLst>
             </p:cNvPr>
@@ -7431,7 +7431,7 @@
             <a:blip r:embed="rId7">
               <a:extLst>
                 <a:ext uri="{96DAC541-7B7A-43D3-8B79-37D633B846F1}">
-                  <asvg:svgBlip xmlns:asvg="http://schemas.microsoft.com/office/drawing/2016/SVG/main" r:embed="rId8"/>
+                  <asvg:svgBlip xmlns:asvg="http://schemas.microsoft.com/office/drawing/2016/SVG/main" xmlns="" r:embed="rId8"/>
                 </a:ext>
               </a:extLst>
             </a:blip>
@@ -7502,7 +7502,7 @@
           <p:cNvPr id="2" name="Graphic 1">
             <a:extLst>
               <a:ext uri="{FF2B5EF4-FFF2-40B4-BE49-F238E27FC236}">
-                <a16:creationId xmlns:a16="http://schemas.microsoft.com/office/drawing/2014/main" id="{344B1990-E922-475D-BDA2-9E23A047A14F}"/>
+                <a16:creationId xmlns:a16="http://schemas.microsoft.com/office/drawing/2014/main" xmlns="" id="{344B1990-E922-475D-BDA2-9E23A047A14F}"/>
               </a:ext>
             </a:extLst>
           </p:cNvPr>
@@ -7515,7 +7515,7 @@
           <a:blip r:embed="rId2">
             <a:extLst>
               <a:ext uri="{96DAC541-7B7A-43D3-8B79-37D633B846F1}">
-                <asvg:svgBlip xmlns:asvg="http://schemas.microsoft.com/office/drawing/2016/SVG/main" r:embed="rId3"/>
+                <asvg:svgBlip xmlns:asvg="http://schemas.microsoft.com/office/drawing/2016/SVG/main" xmlns="" r:embed="rId3"/>
               </a:ext>
             </a:extLst>
           </a:blip>
@@ -7576,7 +7576,7 @@
           <p:cNvPr id="17" name="Picture 16">
             <a:extLst>
               <a:ext uri="{FF2B5EF4-FFF2-40B4-BE49-F238E27FC236}">
-                <a16:creationId xmlns:a16="http://schemas.microsoft.com/office/drawing/2014/main" id="{14FDA669-E474-4468-AC09-ED6F4A19D7A0}"/>
+                <a16:creationId xmlns:a16="http://schemas.microsoft.com/office/drawing/2014/main" xmlns="" id="{14FDA669-E474-4468-AC09-ED6F4A19D7A0}"/>
               </a:ext>
             </a:extLst>
           </p:cNvPr>
@@ -7612,7 +7612,7 @@
           <p:cNvPr id="18" name="TextBox 17">
             <a:extLst>
               <a:ext uri="{FF2B5EF4-FFF2-40B4-BE49-F238E27FC236}">
-                <a16:creationId xmlns:a16="http://schemas.microsoft.com/office/drawing/2014/main" id="{64B34822-29D0-402A-B058-E76EB9B985CC}"/>
+                <a16:creationId xmlns:a16="http://schemas.microsoft.com/office/drawing/2014/main" xmlns="" id="{64B34822-29D0-402A-B058-E76EB9B985CC}"/>
               </a:ext>
             </a:extLst>
           </p:cNvPr>
@@ -7676,7 +7676,7 @@
           <p:cNvPr id="6" name="Group 5">
             <a:extLst>
               <a:ext uri="{FF2B5EF4-FFF2-40B4-BE49-F238E27FC236}">
-                <a16:creationId xmlns:a16="http://schemas.microsoft.com/office/drawing/2014/main" id="{6950C65B-AB13-425C-AFDF-B08BBA7C2EBF}"/>
+                <a16:creationId xmlns:a16="http://schemas.microsoft.com/office/drawing/2014/main" xmlns="" id="{6950C65B-AB13-425C-AFDF-B08BBA7C2EBF}"/>
               </a:ext>
             </a:extLst>
           </p:cNvPr>
@@ -7696,7 +7696,7 @@
             <p:cNvPr id="7" name="Graphic 6">
               <a:extLst>
                 <a:ext uri="{FF2B5EF4-FFF2-40B4-BE49-F238E27FC236}">
-                  <a16:creationId xmlns:a16="http://schemas.microsoft.com/office/drawing/2014/main" id="{52D4ADF9-6D79-44BD-B222-1A57417D8151}"/>
+                  <a16:creationId xmlns:a16="http://schemas.microsoft.com/office/drawing/2014/main" xmlns="" id="{52D4ADF9-6D79-44BD-B222-1A57417D8151}"/>
                 </a:ext>
               </a:extLst>
             </p:cNvPr>
@@ -7709,7 +7709,7 @@
             <a:blip r:embed="rId5">
               <a:extLst>
                 <a:ext uri="{96DAC541-7B7A-43D3-8B79-37D633B846F1}">
-                  <asvg:svgBlip xmlns:asvg="http://schemas.microsoft.com/office/drawing/2016/SVG/main" r:embed="rId6"/>
+                  <asvg:svgBlip xmlns:asvg="http://schemas.microsoft.com/office/drawing/2016/SVG/main" xmlns="" r:embed="rId6"/>
                 </a:ext>
               </a:extLst>
             </a:blip>
@@ -7732,7 +7732,7 @@
             <p:cNvPr id="8" name="Graphic 7">
               <a:extLst>
                 <a:ext uri="{FF2B5EF4-FFF2-40B4-BE49-F238E27FC236}">
-                  <a16:creationId xmlns:a16="http://schemas.microsoft.com/office/drawing/2014/main" id="{F1AE039C-CBC2-474F-BD4C-C8A097EEDE17}"/>
+                  <a16:creationId xmlns:a16="http://schemas.microsoft.com/office/drawing/2014/main" xmlns="" id="{F1AE039C-CBC2-474F-BD4C-C8A097EEDE17}"/>
                 </a:ext>
               </a:extLst>
             </p:cNvPr>
@@ -7745,7 +7745,7 @@
             <a:blip r:embed="rId7">
               <a:extLst>
                 <a:ext uri="{96DAC541-7B7A-43D3-8B79-37D633B846F1}">
-                  <asvg:svgBlip xmlns:asvg="http://schemas.microsoft.com/office/drawing/2016/SVG/main" r:embed="rId8"/>
+                  <asvg:svgBlip xmlns:asvg="http://schemas.microsoft.com/office/drawing/2016/SVG/main" xmlns="" r:embed="rId8"/>
                 </a:ext>
               </a:extLst>
             </a:blip>
@@ -7824,7 +7824,7 @@
           <p:cNvPr id="3" name="Group 2">
             <a:extLst>
               <a:ext uri="{FF2B5EF4-FFF2-40B4-BE49-F238E27FC236}">
-                <a16:creationId xmlns:a16="http://schemas.microsoft.com/office/drawing/2014/main" id="{0DB17AC7-3DDB-445B-B12E-13742A848B61}"/>
+                <a16:creationId xmlns:a16="http://schemas.microsoft.com/office/drawing/2014/main" xmlns="" id="{0DB17AC7-3DDB-445B-B12E-13742A848B61}"/>
               </a:ext>
             </a:extLst>
           </p:cNvPr>
@@ -7844,7 +7844,7 @@
             <p:cNvPr id="4" name="Graphic 3">
               <a:extLst>
                 <a:ext uri="{FF2B5EF4-FFF2-40B4-BE49-F238E27FC236}">
-                  <a16:creationId xmlns:a16="http://schemas.microsoft.com/office/drawing/2014/main" id="{B4C2BFBE-1ECD-4658-85A9-BDBB31E01DB7}"/>
+                  <a16:creationId xmlns:a16="http://schemas.microsoft.com/office/drawing/2014/main" xmlns="" id="{B4C2BFBE-1ECD-4658-85A9-BDBB31E01DB7}"/>
                 </a:ext>
               </a:extLst>
             </p:cNvPr>
@@ -7857,7 +7857,7 @@
             <a:blip r:embed="rId2">
               <a:extLst>
                 <a:ext uri="{96DAC541-7B7A-43D3-8B79-37D633B846F1}">
-                  <asvg:svgBlip xmlns:asvg="http://schemas.microsoft.com/office/drawing/2016/SVG/main" r:embed="rId3"/>
+                  <asvg:svgBlip xmlns:asvg="http://schemas.microsoft.com/office/drawing/2016/SVG/main" xmlns="" r:embed="rId3"/>
                 </a:ext>
               </a:extLst>
             </a:blip>
@@ -7880,7 +7880,7 @@
             <p:cNvPr id="5" name="Graphic 4">
               <a:extLst>
                 <a:ext uri="{FF2B5EF4-FFF2-40B4-BE49-F238E27FC236}">
-                  <a16:creationId xmlns:a16="http://schemas.microsoft.com/office/drawing/2014/main" id="{5848A207-00F8-4421-AE71-CD44A954263D}"/>
+                  <a16:creationId xmlns:a16="http://schemas.microsoft.com/office/drawing/2014/main" xmlns="" id="{5848A207-00F8-4421-AE71-CD44A954263D}"/>
                 </a:ext>
               </a:extLst>
             </p:cNvPr>
@@ -7893,7 +7893,7 @@
             <a:blip r:embed="rId4">
               <a:extLst>
                 <a:ext uri="{96DAC541-7B7A-43D3-8B79-37D633B846F1}">
-                  <asvg:svgBlip xmlns:asvg="http://schemas.microsoft.com/office/drawing/2016/SVG/main" r:embed="rId5"/>
+                  <asvg:svgBlip xmlns:asvg="http://schemas.microsoft.com/office/drawing/2016/SVG/main" xmlns="" r:embed="rId5"/>
                 </a:ext>
               </a:extLst>
             </a:blip>
@@ -10000,7 +10000,7 @@
   </p:txStyles>
   <p:extLst mod="1">
     <p:ext uri="{27BBF7A9-308A-43DC-89C8-2F10F3537804}">
-      <p15:sldGuideLst xmlns:p15="http://schemas.microsoft.com/office/powerpoint/2012/main">
+      <p15:sldGuideLst xmlns:p15="http://schemas.microsoft.com/office/powerpoint/2012/main" xmlns="">
         <p15:guide id="1" orient="horz" pos="187">
           <p15:clr>
             <a:srgbClr val="5ACBF0"/>
@@ -10176,6 +10176,13 @@
       </p:transition>
     </mc:Fallback>
   </mc:AlternateContent>
+  <p:timing>
+    <p:tnLst>
+      <p:par>
+        <p:cTn id="1" dur="indefinite" restart="never" nodeType="tmRoot"/>
+      </p:par>
+    </p:tnLst>
+  </p:timing>
 </p:sld>
 </file>
 
@@ -10201,7 +10208,7 @@
           <p:cNvPr id="2" name="Text Placeholder 1">
             <a:extLst>
               <a:ext uri="{FF2B5EF4-FFF2-40B4-BE49-F238E27FC236}">
-                <a16:creationId xmlns:a16="http://schemas.microsoft.com/office/drawing/2014/main" id="{010BCF30-8CB4-4C87-B210-33A2EA2B0DD0}"/>
+                <a16:creationId xmlns:a16="http://schemas.microsoft.com/office/drawing/2014/main" xmlns="" id="{010BCF30-8CB4-4C87-B210-33A2EA2B0DD0}"/>
               </a:ext>
             </a:extLst>
           </p:cNvPr>
@@ -10246,7 +10253,7 @@
           <p:cNvPr id="3" name="Title 2">
             <a:extLst>
               <a:ext uri="{FF2B5EF4-FFF2-40B4-BE49-F238E27FC236}">
-                <a16:creationId xmlns:a16="http://schemas.microsoft.com/office/drawing/2014/main" id="{9C57BAC4-A011-435A-A002-32460B2AF691}"/>
+                <a16:creationId xmlns:a16="http://schemas.microsoft.com/office/drawing/2014/main" xmlns="" id="{9C57BAC4-A011-435A-A002-32460B2AF691}"/>
               </a:ext>
             </a:extLst>
           </p:cNvPr>
@@ -10282,6 +10289,13 @@
   <p:transition>
     <p:fade/>
   </p:transition>
+  <p:timing>
+    <p:tnLst>
+      <p:par>
+        <p:cTn id="1" dur="indefinite" restart="never" nodeType="tmRoot"/>
+      </p:par>
+    </p:tnLst>
+  </p:timing>
 </p:sld>
 </file>
 
@@ -10307,7 +10321,7 @@
           <p:cNvPr id="2" name="Title 1">
             <a:extLst>
               <a:ext uri="{FF2B5EF4-FFF2-40B4-BE49-F238E27FC236}">
-                <a16:creationId xmlns:a16="http://schemas.microsoft.com/office/drawing/2014/main" id="{839C7298-752B-48BD-843F-683A22D59A7E}"/>
+                <a16:creationId xmlns:a16="http://schemas.microsoft.com/office/drawing/2014/main" xmlns="" id="{839C7298-752B-48BD-843F-683A22D59A7E}"/>
               </a:ext>
             </a:extLst>
           </p:cNvPr>
@@ -10328,6 +10342,10 @@
           <a:bodyPr/>
           <a:lstStyle/>
           <a:p>
+            <a:r>
+              <a:rPr lang="en-US" sz="5400" dirty="0"/>
+              <a:t/>
+            </a:r>
             <a:br>
               <a:rPr lang="en-US" sz="5400" dirty="0"/>
             </a:br>
@@ -10360,6 +10378,13 @@
       </p:transition>
     </mc:Fallback>
   </mc:AlternateContent>
+  <p:timing>
+    <p:tnLst>
+      <p:par>
+        <p:cTn id="1" dur="indefinite" restart="never" nodeType="tmRoot"/>
+      </p:par>
+    </p:tnLst>
+  </p:timing>
 </p:sld>
 </file>
 
@@ -10385,7 +10410,7 @@
           <p:cNvPr id="4" name="Picture 3">
             <a:extLst>
               <a:ext uri="{FF2B5EF4-FFF2-40B4-BE49-F238E27FC236}">
-                <a16:creationId xmlns:a16="http://schemas.microsoft.com/office/drawing/2014/main" id="{BAF25CD0-6790-4A8D-8DC0-67EB03625B62}"/>
+                <a16:creationId xmlns:a16="http://schemas.microsoft.com/office/drawing/2014/main" xmlns="" id="{BAF25CD0-6790-4A8D-8DC0-67EB03625B62}"/>
               </a:ext>
             </a:extLst>
           </p:cNvPr>
@@ -10423,6 +10448,13 @@
   <p:transition>
     <p:fade/>
   </p:transition>
+  <p:timing>
+    <p:tnLst>
+      <p:par>
+        <p:cTn id="1" dur="indefinite" restart="never" nodeType="tmRoot"/>
+      </p:par>
+    </p:tnLst>
+  </p:timing>
 </p:sld>
 </file>
 
@@ -10448,7 +10480,7 @@
           <p:cNvPr id="2" name="Title 1">
             <a:extLst>
               <a:ext uri="{FF2B5EF4-FFF2-40B4-BE49-F238E27FC236}">
-                <a16:creationId xmlns:a16="http://schemas.microsoft.com/office/drawing/2014/main" id="{839C7298-752B-48BD-843F-683A22D59A7E}"/>
+                <a16:creationId xmlns:a16="http://schemas.microsoft.com/office/drawing/2014/main" xmlns="" id="{839C7298-752B-48BD-843F-683A22D59A7E}"/>
               </a:ext>
             </a:extLst>
           </p:cNvPr>
@@ -10476,6 +10508,10 @@
             <a:br>
               <a:rPr lang="en-US" sz="5400" dirty="0"/>
             </a:br>
+            <a:r>
+              <a:rPr lang="en-US" sz="5400" dirty="0"/>
+              <a:t/>
+            </a:r>
             <a:br>
               <a:rPr lang="en-US" sz="5400" dirty="0"/>
             </a:br>
@@ -10509,6 +10545,13 @@
       </p:transition>
     </mc:Fallback>
   </mc:AlternateContent>
+  <p:timing>
+    <p:tnLst>
+      <p:par>
+        <p:cTn id="1" dur="indefinite" restart="never" nodeType="tmRoot"/>
+      </p:par>
+    </p:tnLst>
+  </p:timing>
 </p:sld>
 </file>
 
@@ -10534,7 +10577,7 @@
           <p:cNvPr id="2" name="Text Placeholder 1">
             <a:extLst>
               <a:ext uri="{FF2B5EF4-FFF2-40B4-BE49-F238E27FC236}">
-                <a16:creationId xmlns:a16="http://schemas.microsoft.com/office/drawing/2014/main" id="{CB77B696-7C65-41B8-BD7D-3266312A5063}"/>
+                <a16:creationId xmlns:a16="http://schemas.microsoft.com/office/drawing/2014/main" xmlns="" id="{CB77B696-7C65-41B8-BD7D-3266312A5063}"/>
               </a:ext>
             </a:extLst>
           </p:cNvPr>
@@ -10569,7 +10612,7 @@
           <p:cNvPr id="3" name="Title 2">
             <a:extLst>
               <a:ext uri="{FF2B5EF4-FFF2-40B4-BE49-F238E27FC236}">
-                <a16:creationId xmlns:a16="http://schemas.microsoft.com/office/drawing/2014/main" id="{2C2D5DD6-660F-462E-BB95-78F71CE889DC}"/>
+                <a16:creationId xmlns:a16="http://schemas.microsoft.com/office/drawing/2014/main" xmlns="" id="{2C2D5DD6-660F-462E-BB95-78F71CE889DC}"/>
               </a:ext>
             </a:extLst>
           </p:cNvPr>
@@ -10597,7 +10640,7 @@
           <p:cNvPr id="4" name="Picture 3">
             <a:extLst>
               <a:ext uri="{FF2B5EF4-FFF2-40B4-BE49-F238E27FC236}">
-                <a16:creationId xmlns:a16="http://schemas.microsoft.com/office/drawing/2014/main" id="{531B88C8-C193-4EFB-B1BE-6D035D144267}"/>
+                <a16:creationId xmlns:a16="http://schemas.microsoft.com/office/drawing/2014/main" xmlns="" id="{531B88C8-C193-4EFB-B1BE-6D035D144267}"/>
               </a:ext>
             </a:extLst>
           </p:cNvPr>
@@ -10635,6 +10678,13 @@
   <p:transition>
     <p:fade/>
   </p:transition>
+  <p:timing>
+    <p:tnLst>
+      <p:par>
+        <p:cTn id="1" dur="indefinite" restart="never" nodeType="tmRoot"/>
+      </p:par>
+    </p:tnLst>
+  </p:timing>
 </p:sld>
 </file>
 
@@ -10660,7 +10710,7 @@
           <p:cNvPr id="2" name="Text Placeholder 1">
             <a:extLst>
               <a:ext uri="{FF2B5EF4-FFF2-40B4-BE49-F238E27FC236}">
-                <a16:creationId xmlns:a16="http://schemas.microsoft.com/office/drawing/2014/main" id="{EB6778EB-FE38-4D5C-951C-4A11BD684DC0}"/>
+                <a16:creationId xmlns:a16="http://schemas.microsoft.com/office/drawing/2014/main" xmlns="" id="{EB6778EB-FE38-4D5C-951C-4A11BD684DC0}"/>
               </a:ext>
             </a:extLst>
           </p:cNvPr>
@@ -10685,7 +10735,7 @@
           <p:cNvPr id="3" name="Title 2">
             <a:extLst>
               <a:ext uri="{FF2B5EF4-FFF2-40B4-BE49-F238E27FC236}">
-                <a16:creationId xmlns:a16="http://schemas.microsoft.com/office/drawing/2014/main" id="{6BD70416-3BD5-426B-9C67-F21AA87A0CC5}"/>
+                <a16:creationId xmlns:a16="http://schemas.microsoft.com/office/drawing/2014/main" xmlns="" id="{6BD70416-3BD5-426B-9C67-F21AA87A0CC5}"/>
               </a:ext>
             </a:extLst>
           </p:cNvPr>
@@ -10713,7 +10763,7 @@
           <p:cNvPr id="4" name="Picture 3">
             <a:extLst>
               <a:ext uri="{FF2B5EF4-FFF2-40B4-BE49-F238E27FC236}">
-                <a16:creationId xmlns:a16="http://schemas.microsoft.com/office/drawing/2014/main" id="{9A92B84F-B3EE-46FB-A581-D75C44276EA7}"/>
+                <a16:creationId xmlns:a16="http://schemas.microsoft.com/office/drawing/2014/main" xmlns="" id="{9A92B84F-B3EE-46FB-A581-D75C44276EA7}"/>
               </a:ext>
             </a:extLst>
           </p:cNvPr>
@@ -10751,6 +10801,13 @@
   <p:transition>
     <p:fade/>
   </p:transition>
+  <p:timing>
+    <p:tnLst>
+      <p:par>
+        <p:cTn id="1" dur="indefinite" restart="never" nodeType="tmRoot"/>
+      </p:par>
+    </p:tnLst>
+  </p:timing>
 </p:sld>
 </file>
 
@@ -10776,7 +10833,7 @@
           <p:cNvPr id="2" name="Title 1">
             <a:extLst>
               <a:ext uri="{FF2B5EF4-FFF2-40B4-BE49-F238E27FC236}">
-                <a16:creationId xmlns:a16="http://schemas.microsoft.com/office/drawing/2014/main" id="{839C7298-752B-48BD-843F-683A22D59A7E}"/>
+                <a16:creationId xmlns:a16="http://schemas.microsoft.com/office/drawing/2014/main" xmlns="" id="{839C7298-752B-48BD-843F-683A22D59A7E}"/>
               </a:ext>
             </a:extLst>
           </p:cNvPr>
@@ -10797,6 +10854,10 @@
           <a:bodyPr/>
           <a:lstStyle/>
           <a:p>
+            <a:r>
+              <a:rPr lang="en-US" sz="5400" dirty="0"/>
+              <a:t/>
+            </a:r>
             <a:br>
               <a:rPr lang="en-US" sz="5400" dirty="0"/>
             </a:br>
@@ -10829,6 +10890,13 @@
       </p:transition>
     </mc:Fallback>
   </mc:AlternateContent>
+  <p:timing>
+    <p:tnLst>
+      <p:par>
+        <p:cTn id="1" dur="indefinite" restart="never" nodeType="tmRoot"/>
+      </p:par>
+    </p:tnLst>
+  </p:timing>
 </p:sld>
 </file>
 
@@ -10854,7 +10922,7 @@
           <p:cNvPr id="2" name="Title 1">
             <a:extLst>
               <a:ext uri="{FF2B5EF4-FFF2-40B4-BE49-F238E27FC236}">
-                <a16:creationId xmlns:a16="http://schemas.microsoft.com/office/drawing/2014/main" id="{839C7298-752B-48BD-843F-683A22D59A7E}"/>
+                <a16:creationId xmlns:a16="http://schemas.microsoft.com/office/drawing/2014/main" xmlns="" id="{839C7298-752B-48BD-843F-683A22D59A7E}"/>
               </a:ext>
             </a:extLst>
           </p:cNvPr>
@@ -10879,9 +10947,17 @@
               <a:rPr lang="en-US" sz="5400" b="1" dirty="0"/>
               <a:t>DEMO</a:t>
             </a:r>
+            <a:r>
+              <a:rPr lang="en-US" sz="5400" dirty="0"/>
+              <a:t/>
+            </a:r>
             <a:br>
               <a:rPr lang="en-US" sz="5400" dirty="0"/>
             </a:br>
+            <a:r>
+              <a:rPr lang="en-US" sz="5400" dirty="0"/>
+              <a:t/>
+            </a:r>
             <a:br>
               <a:rPr lang="en-US" sz="5400" dirty="0"/>
             </a:br>
@@ -10921,6 +10997,13 @@
       </p:transition>
     </mc:Fallback>
   </mc:AlternateContent>
+  <p:timing>
+    <p:tnLst>
+      <p:par>
+        <p:cTn id="1" dur="indefinite" restart="never" nodeType="tmRoot"/>
+      </p:par>
+    </p:tnLst>
+  </p:timing>
 </p:sld>
 </file>
 
@@ -10946,7 +11029,7 @@
           <p:cNvPr id="2" name="Title 1">
             <a:extLst>
               <a:ext uri="{FF2B5EF4-FFF2-40B4-BE49-F238E27FC236}">
-                <a16:creationId xmlns:a16="http://schemas.microsoft.com/office/drawing/2014/main" id="{839C7298-752B-48BD-843F-683A22D59A7E}"/>
+                <a16:creationId xmlns:a16="http://schemas.microsoft.com/office/drawing/2014/main" xmlns="" id="{839C7298-752B-48BD-843F-683A22D59A7E}"/>
               </a:ext>
             </a:extLst>
           </p:cNvPr>
@@ -10971,9 +11054,17 @@
               <a:rPr lang="en-US" sz="5400" b="1" dirty="0"/>
               <a:t>DEMO</a:t>
             </a:r>
+            <a:r>
+              <a:rPr lang="en-US" sz="5400" dirty="0"/>
+              <a:t/>
+            </a:r>
             <a:br>
               <a:rPr lang="en-US" sz="5400" dirty="0"/>
             </a:br>
+            <a:r>
+              <a:rPr lang="en-US" sz="5400" dirty="0"/>
+              <a:t/>
+            </a:r>
             <a:br>
               <a:rPr lang="en-US" sz="5400" dirty="0"/>
             </a:br>
@@ -10986,8 +11077,17 @@
             </a:br>
             <a:r>
               <a:rPr lang="en-US" sz="5400" dirty="0"/>
-              <a:t>your .NET Framework</a:t>
-            </a:r>
+              <a:t>your .</a:t>
+            </a:r>
+            <a:r>
+              <a:rPr lang="en-US" sz="5400"/>
+              <a:t>NET </a:t>
+            </a:r>
+            <a:r>
+              <a:rPr lang="en-US" sz="5400" smtClean="0"/>
+              <a:t>Framework / .NET Core</a:t>
+            </a:r>
+            <a:endParaRPr lang="en-US" sz="5400" dirty="0"/>
           </a:p>
         </p:txBody>
       </p:sp>
@@ -11013,6 +11113,13 @@
       </p:transition>
     </mc:Fallback>
   </mc:AlternateContent>
+  <p:timing>
+    <p:tnLst>
+      <p:par>
+        <p:cTn id="1" dur="indefinite" restart="never" nodeType="tmRoot"/>
+      </p:par>
+    </p:tnLst>
+  </p:timing>
 </p:sld>
 </file>
 
@@ -11038,7 +11145,7 @@
           <p:cNvPr id="2" name="Title 1">
             <a:extLst>
               <a:ext uri="{FF2B5EF4-FFF2-40B4-BE49-F238E27FC236}">
-                <a16:creationId xmlns:a16="http://schemas.microsoft.com/office/drawing/2014/main" id="{839C7298-752B-48BD-843F-683A22D59A7E}"/>
+                <a16:creationId xmlns:a16="http://schemas.microsoft.com/office/drawing/2014/main" xmlns="" id="{839C7298-752B-48BD-843F-683A22D59A7E}"/>
               </a:ext>
             </a:extLst>
           </p:cNvPr>
@@ -11060,6 +11167,10 @@
           <a:lstStyle/>
           <a:p>
             <a:pPr algn="ctr"/>
+            <a:r>
+              <a:rPr lang="en-US" sz="5400" dirty="0"/>
+              <a:t/>
+            </a:r>
             <a:br>
               <a:rPr lang="en-US" sz="5400" dirty="0"/>
             </a:br>
@@ -11092,6 +11203,13 @@
       </p:transition>
     </mc:Fallback>
   </mc:AlternateContent>
+  <p:timing>
+    <p:tnLst>
+      <p:par>
+        <p:cTn id="1" dur="indefinite" restart="never" nodeType="tmRoot"/>
+      </p:par>
+    </p:tnLst>
+  </p:timing>
 </p:sld>
 </file>
 
@@ -11117,7 +11235,7 @@
           <p:cNvPr id="2" name="Title 1">
             <a:extLst>
               <a:ext uri="{FF2B5EF4-FFF2-40B4-BE49-F238E27FC236}">
-                <a16:creationId xmlns:a16="http://schemas.microsoft.com/office/drawing/2014/main" id="{839C7298-752B-48BD-843F-683A22D59A7E}"/>
+                <a16:creationId xmlns:a16="http://schemas.microsoft.com/office/drawing/2014/main" xmlns="" id="{839C7298-752B-48BD-843F-683A22D59A7E}"/>
               </a:ext>
             </a:extLst>
           </p:cNvPr>
@@ -11152,7 +11270,7 @@
           <p:cNvPr id="3" name="Text Placeholder 2">
             <a:extLst>
               <a:ext uri="{FF2B5EF4-FFF2-40B4-BE49-F238E27FC236}">
-                <a16:creationId xmlns:a16="http://schemas.microsoft.com/office/drawing/2014/main" id="{2BA8E374-5793-40F2-A7B7-2D8AB053A278}"/>
+                <a16:creationId xmlns:a16="http://schemas.microsoft.com/office/drawing/2014/main" xmlns="" id="{2BA8E374-5793-40F2-A7B7-2D8AB053A278}"/>
               </a:ext>
             </a:extLst>
           </p:cNvPr>
@@ -11216,6 +11334,13 @@
       </p:transition>
     </mc:Fallback>
   </mc:AlternateContent>
+  <p:timing>
+    <p:tnLst>
+      <p:par>
+        <p:cTn id="1" dur="indefinite" restart="never" nodeType="tmRoot"/>
+      </p:par>
+    </p:tnLst>
+  </p:timing>
 </p:sld>
 </file>
 
@@ -11241,7 +11366,7 @@
           <p:cNvPr id="20" name="Rectangle 19">
             <a:extLst>
               <a:ext uri="{FF2B5EF4-FFF2-40B4-BE49-F238E27FC236}">
-                <a16:creationId xmlns:a16="http://schemas.microsoft.com/office/drawing/2014/main" id="{00F0D125-68C5-4954-9038-B5313C3AA14E}"/>
+                <a16:creationId xmlns:a16="http://schemas.microsoft.com/office/drawing/2014/main" xmlns="" id="{00F0D125-68C5-4954-9038-B5313C3AA14E}"/>
               </a:ext>
             </a:extLst>
           </p:cNvPr>
@@ -12576,7 +12701,7 @@
           <p:cNvPr id="2" name="Title 1">
             <a:extLst>
               <a:ext uri="{FF2B5EF4-FFF2-40B4-BE49-F238E27FC236}">
-                <a16:creationId xmlns:a16="http://schemas.microsoft.com/office/drawing/2014/main" id="{72109911-4D42-4403-97F1-ED5D39F73E2F}"/>
+                <a16:creationId xmlns:a16="http://schemas.microsoft.com/office/drawing/2014/main" xmlns="" id="{72109911-4D42-4403-97F1-ED5D39F73E2F}"/>
               </a:ext>
             </a:extLst>
           </p:cNvPr>
@@ -12604,7 +12729,7 @@
           <p:cNvPr id="3" name="Picture 2">
             <a:extLst>
               <a:ext uri="{FF2B5EF4-FFF2-40B4-BE49-F238E27FC236}">
-                <a16:creationId xmlns:a16="http://schemas.microsoft.com/office/drawing/2014/main" id="{401358EC-8492-4A6A-A377-946E23546E52}"/>
+                <a16:creationId xmlns:a16="http://schemas.microsoft.com/office/drawing/2014/main" xmlns="" id="{401358EC-8492-4A6A-A377-946E23546E52}"/>
               </a:ext>
             </a:extLst>
           </p:cNvPr>
@@ -12634,7 +12759,7 @@
           <p:cNvPr id="4" name="Rectangle 3">
             <a:extLst>
               <a:ext uri="{FF2B5EF4-FFF2-40B4-BE49-F238E27FC236}">
-                <a16:creationId xmlns:a16="http://schemas.microsoft.com/office/drawing/2014/main" id="{84D7E8F3-01CE-46CF-99B8-680A043F84CA}"/>
+                <a16:creationId xmlns:a16="http://schemas.microsoft.com/office/drawing/2014/main" xmlns="" id="{84D7E8F3-01CE-46CF-99B8-680A043F84CA}"/>
               </a:ext>
             </a:extLst>
           </p:cNvPr>
@@ -12684,6 +12809,13 @@
   <p:transition>
     <p:fade/>
   </p:transition>
+  <p:timing>
+    <p:tnLst>
+      <p:par>
+        <p:cTn id="1" dur="indefinite" restart="never" nodeType="tmRoot"/>
+      </p:par>
+    </p:tnLst>
+  </p:timing>
 </p:sld>
 </file>
 
@@ -12709,7 +12841,7 @@
           <p:cNvPr id="2" name="Title 1">
             <a:extLst>
               <a:ext uri="{FF2B5EF4-FFF2-40B4-BE49-F238E27FC236}">
-                <a16:creationId xmlns:a16="http://schemas.microsoft.com/office/drawing/2014/main" id="{E594900F-EA07-49E8-8D5B-CA2A35FB8F6F}"/>
+                <a16:creationId xmlns:a16="http://schemas.microsoft.com/office/drawing/2014/main" xmlns="" id="{E594900F-EA07-49E8-8D5B-CA2A35FB8F6F}"/>
               </a:ext>
             </a:extLst>
           </p:cNvPr>
@@ -12737,7 +12869,7 @@
           <p:cNvPr id="3" name="Picture 2">
             <a:extLst>
               <a:ext uri="{FF2B5EF4-FFF2-40B4-BE49-F238E27FC236}">
-                <a16:creationId xmlns:a16="http://schemas.microsoft.com/office/drawing/2014/main" id="{6BA25852-257F-4557-8295-0B5AA38EC97A}"/>
+                <a16:creationId xmlns:a16="http://schemas.microsoft.com/office/drawing/2014/main" xmlns="" id="{6BA25852-257F-4557-8295-0B5AA38EC97A}"/>
               </a:ext>
             </a:extLst>
           </p:cNvPr>
@@ -12767,7 +12899,7 @@
           <p:cNvPr id="4" name="Rectangle 3">
             <a:extLst>
               <a:ext uri="{FF2B5EF4-FFF2-40B4-BE49-F238E27FC236}">
-                <a16:creationId xmlns:a16="http://schemas.microsoft.com/office/drawing/2014/main" id="{DE8A10A5-2856-41F5-B145-E3E35BDD2DDD}"/>
+                <a16:creationId xmlns:a16="http://schemas.microsoft.com/office/drawing/2014/main" xmlns="" id="{DE8A10A5-2856-41F5-B145-E3E35BDD2DDD}"/>
               </a:ext>
             </a:extLst>
           </p:cNvPr>
@@ -12834,7 +12966,7 @@
           <p:cNvPr id="3" name="Picture 2">
             <a:extLst>
               <a:ext uri="{FF2B5EF4-FFF2-40B4-BE49-F238E27FC236}">
-                <a16:creationId xmlns:a16="http://schemas.microsoft.com/office/drawing/2014/main" id="{521A571C-48D0-4BE8-BBAB-99A3C35F32DD}"/>
+                <a16:creationId xmlns:a16="http://schemas.microsoft.com/office/drawing/2014/main" xmlns="" id="{521A571C-48D0-4BE8-BBAB-99A3C35F32DD}"/>
               </a:ext>
             </a:extLst>
           </p:cNvPr>
@@ -12897,7 +13029,7 @@
           <p:cNvPr id="20" name="Rectangle 19">
             <a:extLst>
               <a:ext uri="{FF2B5EF4-FFF2-40B4-BE49-F238E27FC236}">
-                <a16:creationId xmlns:a16="http://schemas.microsoft.com/office/drawing/2014/main" id="{00F0D125-68C5-4954-9038-B5313C3AA14E}"/>
+                <a16:creationId xmlns:a16="http://schemas.microsoft.com/office/drawing/2014/main" xmlns="" id="{00F0D125-68C5-4954-9038-B5313C3AA14E}"/>
               </a:ext>
             </a:extLst>
           </p:cNvPr>
@@ -14232,7 +14364,7 @@
           <p:cNvPr id="2" name="Title 1">
             <a:extLst>
               <a:ext uri="{FF2B5EF4-FFF2-40B4-BE49-F238E27FC236}">
-                <a16:creationId xmlns:a16="http://schemas.microsoft.com/office/drawing/2014/main" id="{AE5EB3E3-8411-4229-BC22-5F0302C24FA1}"/>
+                <a16:creationId xmlns:a16="http://schemas.microsoft.com/office/drawing/2014/main" xmlns="" id="{AE5EB3E3-8411-4229-BC22-5F0302C24FA1}"/>
               </a:ext>
             </a:extLst>
           </p:cNvPr>
@@ -14260,7 +14392,7 @@
           <p:cNvPr id="3" name="Picture 2">
             <a:extLst>
               <a:ext uri="{FF2B5EF4-FFF2-40B4-BE49-F238E27FC236}">
-                <a16:creationId xmlns:a16="http://schemas.microsoft.com/office/drawing/2014/main" id="{13F53996-0836-4513-A695-F8FA3B7E9386}"/>
+                <a16:creationId xmlns:a16="http://schemas.microsoft.com/office/drawing/2014/main" xmlns="" id="{13F53996-0836-4513-A695-F8FA3B7E9386}"/>
               </a:ext>
             </a:extLst>
           </p:cNvPr>
@@ -14290,7 +14422,7 @@
           <p:cNvPr id="4" name="Rectangle 3">
             <a:extLst>
               <a:ext uri="{FF2B5EF4-FFF2-40B4-BE49-F238E27FC236}">
-                <a16:creationId xmlns:a16="http://schemas.microsoft.com/office/drawing/2014/main" id="{67E3E9B4-9B1C-4AB1-B841-2017496AC19A}"/>
+                <a16:creationId xmlns:a16="http://schemas.microsoft.com/office/drawing/2014/main" xmlns="" id="{67E3E9B4-9B1C-4AB1-B841-2017496AC19A}"/>
               </a:ext>
             </a:extLst>
           </p:cNvPr>
@@ -14365,7 +14497,7 @@
           <p:cNvPr id="3" name="Picture 2">
             <a:extLst>
               <a:ext uri="{FF2B5EF4-FFF2-40B4-BE49-F238E27FC236}">
-                <a16:creationId xmlns:a16="http://schemas.microsoft.com/office/drawing/2014/main" id="{B3BEAD63-4D1A-4C72-A3CB-778DDCF12EFD}"/>
+                <a16:creationId xmlns:a16="http://schemas.microsoft.com/office/drawing/2014/main" xmlns="" id="{B3BEAD63-4D1A-4C72-A3CB-778DDCF12EFD}"/>
               </a:ext>
             </a:extLst>
           </p:cNvPr>
@@ -14428,7 +14560,7 @@
           <p:cNvPr id="11" name="Text Placeholder 10">
             <a:extLst>
               <a:ext uri="{FF2B5EF4-FFF2-40B4-BE49-F238E27FC236}">
-                <a16:creationId xmlns:a16="http://schemas.microsoft.com/office/drawing/2014/main" id="{DB788FB1-A766-426C-9005-C33373494BDE}"/>
+                <a16:creationId xmlns:a16="http://schemas.microsoft.com/office/drawing/2014/main" xmlns="" id="{DB788FB1-A766-426C-9005-C33373494BDE}"/>
               </a:ext>
             </a:extLst>
           </p:cNvPr>
@@ -14589,7 +14721,7 @@
           <p:cNvPr id="3" name="Title 2">
             <a:extLst>
               <a:ext uri="{FF2B5EF4-FFF2-40B4-BE49-F238E27FC236}">
-                <a16:creationId xmlns:a16="http://schemas.microsoft.com/office/drawing/2014/main" id="{17558BD6-65F4-4155-B458-682E75F02A2E}"/>
+                <a16:creationId xmlns:a16="http://schemas.microsoft.com/office/drawing/2014/main" xmlns="" id="{17558BD6-65F4-4155-B458-682E75F02A2E}"/>
               </a:ext>
             </a:extLst>
           </p:cNvPr>
@@ -14617,7 +14749,7 @@
           <p:cNvPr id="12" name="TextBox 11">
             <a:extLst>
               <a:ext uri="{FF2B5EF4-FFF2-40B4-BE49-F238E27FC236}">
-                <a16:creationId xmlns:a16="http://schemas.microsoft.com/office/drawing/2014/main" id="{62FCF602-0918-41D7-A4C5-7D4081003162}"/>
+                <a16:creationId xmlns:a16="http://schemas.microsoft.com/office/drawing/2014/main" xmlns="" id="{62FCF602-0918-41D7-A4C5-7D4081003162}"/>
               </a:ext>
             </a:extLst>
           </p:cNvPr>
@@ -14773,7 +14905,7 @@
           <p:cNvPr id="15" name="Picture 14">
             <a:extLst>
               <a:ext uri="{FF2B5EF4-FFF2-40B4-BE49-F238E27FC236}">
-                <a16:creationId xmlns:a16="http://schemas.microsoft.com/office/drawing/2014/main" id="{FBCB2F95-B081-4875-9259-E81F585765CA}"/>
+                <a16:creationId xmlns:a16="http://schemas.microsoft.com/office/drawing/2014/main" xmlns="" id="{FBCB2F95-B081-4875-9259-E81F585765CA}"/>
               </a:ext>
             </a:extLst>
           </p:cNvPr>
@@ -14783,7 +14915,7 @@
           <p:nvPr/>
         </p:nvPicPr>
         <p:blipFill>
-          <a:blip r:embed="rId8">
+          <a:blip r:embed="rId8" cstate="print">
             <a:extLst>
               <a:ext uri="{28A0092B-C50C-407E-A947-70E740481C1C}">
                 <a14:useLocalDpi xmlns:a14="http://schemas.microsoft.com/office/drawing/2010/main" val="0"/>
@@ -14842,7 +14974,7 @@
           <p:cNvPr id="2" name="Text Placeholder 1">
             <a:extLst>
               <a:ext uri="{FF2B5EF4-FFF2-40B4-BE49-F238E27FC236}">
-                <a16:creationId xmlns:a16="http://schemas.microsoft.com/office/drawing/2014/main" id="{CB77B696-7C65-41B8-BD7D-3266312A5063}"/>
+                <a16:creationId xmlns:a16="http://schemas.microsoft.com/office/drawing/2014/main" xmlns="" id="{CB77B696-7C65-41B8-BD7D-3266312A5063}"/>
               </a:ext>
             </a:extLst>
           </p:cNvPr>
@@ -14919,7 +15051,7 @@
           <p:cNvPr id="3" name="Title 2">
             <a:extLst>
               <a:ext uri="{FF2B5EF4-FFF2-40B4-BE49-F238E27FC236}">
-                <a16:creationId xmlns:a16="http://schemas.microsoft.com/office/drawing/2014/main" id="{2C2D5DD6-660F-462E-BB95-78F71CE889DC}"/>
+                <a16:creationId xmlns:a16="http://schemas.microsoft.com/office/drawing/2014/main" xmlns="" id="{2C2D5DD6-660F-462E-BB95-78F71CE889DC}"/>
               </a:ext>
             </a:extLst>
           </p:cNvPr>
@@ -14980,7 +15112,7 @@
           <p:cNvPr id="2" name="Text Placeholder 1">
             <a:extLst>
               <a:ext uri="{FF2B5EF4-FFF2-40B4-BE49-F238E27FC236}">
-                <a16:creationId xmlns:a16="http://schemas.microsoft.com/office/drawing/2014/main" id="{8AD36E31-ED6C-49DA-95DE-1DA406CF69CF}"/>
+                <a16:creationId xmlns:a16="http://schemas.microsoft.com/office/drawing/2014/main" xmlns="" id="{8AD36E31-ED6C-49DA-95DE-1DA406CF69CF}"/>
               </a:ext>
             </a:extLst>
           </p:cNvPr>
@@ -15095,6 +15227,13 @@
   <p:transition>
     <p:fade/>
   </p:transition>
+  <p:timing>
+    <p:tnLst>
+      <p:par>
+        <p:cTn id="1" dur="indefinite" restart="never" nodeType="tmRoot"/>
+      </p:par>
+    </p:tnLst>
+  </p:timing>
 </p:sld>
 </file>
 
@@ -15120,7 +15259,7 @@
           <p:cNvPr id="3" name="Title 2">
             <a:extLst>
               <a:ext uri="{FF2B5EF4-FFF2-40B4-BE49-F238E27FC236}">
-                <a16:creationId xmlns:a16="http://schemas.microsoft.com/office/drawing/2014/main" id="{4E7F8426-C074-468F-B0F5-3AF96CCB05A5}"/>
+                <a16:creationId xmlns:a16="http://schemas.microsoft.com/office/drawing/2014/main" xmlns="" id="{4E7F8426-C074-468F-B0F5-3AF96CCB05A5}"/>
               </a:ext>
             </a:extLst>
           </p:cNvPr>
@@ -15161,6 +15300,13 @@
   <p:transition>
     <p:fade/>
   </p:transition>
+  <p:timing>
+    <p:tnLst>
+      <p:par>
+        <p:cTn id="1" dur="indefinite" restart="never" nodeType="tmRoot"/>
+      </p:par>
+    </p:tnLst>
+  </p:timing>
 </p:sld>
 </file>
 
@@ -15186,7 +15332,7 @@
           <p:cNvPr id="10" name="Picture 9">
             <a:extLst>
               <a:ext uri="{FF2B5EF4-FFF2-40B4-BE49-F238E27FC236}">
-                <a16:creationId xmlns:a16="http://schemas.microsoft.com/office/drawing/2014/main" id="{432E2435-0659-4FFA-A92E-F6AB38169012}"/>
+                <a16:creationId xmlns:a16="http://schemas.microsoft.com/office/drawing/2014/main" xmlns="" id="{432E2435-0659-4FFA-A92E-F6AB38169012}"/>
               </a:ext>
             </a:extLst>
           </p:cNvPr>
@@ -15296,7 +15442,7 @@
           <p:cNvPr id="7" name="Rectangle 6">
             <a:extLst>
               <a:ext uri="{FF2B5EF4-FFF2-40B4-BE49-F238E27FC236}">
-                <a16:creationId xmlns:a16="http://schemas.microsoft.com/office/drawing/2014/main" id="{BBE817CE-0228-4DA7-ABC2-EE664F39E6AC}"/>
+                <a16:creationId xmlns:a16="http://schemas.microsoft.com/office/drawing/2014/main" xmlns="" id="{BBE817CE-0228-4DA7-ABC2-EE664F39E6AC}"/>
               </a:ext>
             </a:extLst>
           </p:cNvPr>
@@ -15350,7 +15496,7 @@
           <p:cNvPr id="8" name="Rectangle 7">
             <a:extLst>
               <a:ext uri="{FF2B5EF4-FFF2-40B4-BE49-F238E27FC236}">
-                <a16:creationId xmlns:a16="http://schemas.microsoft.com/office/drawing/2014/main" id="{8849A19F-36BA-44C2-BCB1-26553C05EC2D}"/>
+                <a16:creationId xmlns:a16="http://schemas.microsoft.com/office/drawing/2014/main" xmlns="" id="{8849A19F-36BA-44C2-BCB1-26553C05EC2D}"/>
               </a:ext>
             </a:extLst>
           </p:cNvPr>
@@ -15436,7 +15582,7 @@
           <p:cNvPr id="9" name="Rectangle 8">
             <a:extLst>
               <a:ext uri="{FF2B5EF4-FFF2-40B4-BE49-F238E27FC236}">
-                <a16:creationId xmlns:a16="http://schemas.microsoft.com/office/drawing/2014/main" id="{261E0621-4C7A-4D09-9E53-FF6D988681CC}"/>
+                <a16:creationId xmlns:a16="http://schemas.microsoft.com/office/drawing/2014/main" xmlns="" id="{261E0621-4C7A-4D09-9E53-FF6D988681CC}"/>
               </a:ext>
             </a:extLst>
           </p:cNvPr>
@@ -15502,7 +15648,7 @@
           <p:cNvPr id="12" name="Rectangle 11">
             <a:extLst>
               <a:ext uri="{FF2B5EF4-FFF2-40B4-BE49-F238E27FC236}">
-                <a16:creationId xmlns:a16="http://schemas.microsoft.com/office/drawing/2014/main" id="{046D2E8D-57DC-4B78-AFC4-E06EF32744CB}"/>
+                <a16:creationId xmlns:a16="http://schemas.microsoft.com/office/drawing/2014/main" xmlns="" id="{046D2E8D-57DC-4B78-AFC4-E06EF32744CB}"/>
               </a:ext>
             </a:extLst>
           </p:cNvPr>
@@ -15829,7 +15975,7 @@
           <p:cNvPr id="2" name="Group 1">
             <a:extLst>
               <a:ext uri="{FF2B5EF4-FFF2-40B4-BE49-F238E27FC236}">
-                <a16:creationId xmlns:a16="http://schemas.microsoft.com/office/drawing/2014/main" id="{FAB126CE-890B-44C6-A938-251F25350203}"/>
+                <a16:creationId xmlns:a16="http://schemas.microsoft.com/office/drawing/2014/main" xmlns="" id="{FAB126CE-890B-44C6-A938-251F25350203}"/>
               </a:ext>
             </a:extLst>
           </p:cNvPr>
@@ -15985,7 +16131,7 @@
           <p:cNvPr id="6" name="Group 5">
             <a:extLst>
               <a:ext uri="{FF2B5EF4-FFF2-40B4-BE49-F238E27FC236}">
-                <a16:creationId xmlns:a16="http://schemas.microsoft.com/office/drawing/2014/main" id="{E94B9C7C-F6CD-4093-B8A3-7D77BC25DE27}"/>
+                <a16:creationId xmlns:a16="http://schemas.microsoft.com/office/drawing/2014/main" xmlns="" id="{E94B9C7C-F6CD-4093-B8A3-7D77BC25DE27}"/>
               </a:ext>
             </a:extLst>
           </p:cNvPr>
@@ -16146,7 +16292,7 @@
           <p:cNvPr id="7" name="Group 6">
             <a:extLst>
               <a:ext uri="{FF2B5EF4-FFF2-40B4-BE49-F238E27FC236}">
-                <a16:creationId xmlns:a16="http://schemas.microsoft.com/office/drawing/2014/main" id="{0C0874CE-27DB-4AC3-8269-F8CD8EC7863F}"/>
+                <a16:creationId xmlns:a16="http://schemas.microsoft.com/office/drawing/2014/main" xmlns="" id="{0C0874CE-27DB-4AC3-8269-F8CD8EC7863F}"/>
               </a:ext>
             </a:extLst>
           </p:cNvPr>
@@ -16329,7 +16475,7 @@
           <p:cNvPr id="33" name="TextBox 32">
             <a:extLst>
               <a:ext uri="{FF2B5EF4-FFF2-40B4-BE49-F238E27FC236}">
-                <a16:creationId xmlns:a16="http://schemas.microsoft.com/office/drawing/2014/main" id="{99280F51-98C9-47DA-B7C5-E5962093ABDA}"/>
+                <a16:creationId xmlns:a16="http://schemas.microsoft.com/office/drawing/2014/main" xmlns="" id="{99280F51-98C9-47DA-B7C5-E5962093ABDA}"/>
               </a:ext>
             </a:extLst>
           </p:cNvPr>
@@ -16673,7 +16819,7 @@
           <p:cNvPr id="3" name="Text Placeholder 2">
             <a:extLst>
               <a:ext uri="{FF2B5EF4-FFF2-40B4-BE49-F238E27FC236}">
-                <a16:creationId xmlns:a16="http://schemas.microsoft.com/office/drawing/2014/main" id="{8A2664EA-0EF5-47D4-8F23-63838B86E426}"/>
+                <a16:creationId xmlns:a16="http://schemas.microsoft.com/office/drawing/2014/main" xmlns="" id="{8A2664EA-0EF5-47D4-8F23-63838B86E426}"/>
               </a:ext>
             </a:extLst>
           </p:cNvPr>
@@ -17473,7 +17619,7 @@
           <p:cNvPr id="2" name="Title 1">
             <a:extLst>
               <a:ext uri="{FF2B5EF4-FFF2-40B4-BE49-F238E27FC236}">
-                <a16:creationId xmlns:a16="http://schemas.microsoft.com/office/drawing/2014/main" id="{98845369-B925-4246-A823-FEC41DBD90B9}"/>
+                <a16:creationId xmlns:a16="http://schemas.microsoft.com/office/drawing/2014/main" xmlns="" id="{98845369-B925-4246-A823-FEC41DBD90B9}"/>
               </a:ext>
             </a:extLst>
           </p:cNvPr>
@@ -17501,7 +17647,7 @@
           <p:cNvPr id="13" name="Rectangle 12">
             <a:extLst>
               <a:ext uri="{FF2B5EF4-FFF2-40B4-BE49-F238E27FC236}">
-                <a16:creationId xmlns:a16="http://schemas.microsoft.com/office/drawing/2014/main" id="{C9329244-DAE5-44A4-9671-F9C50821D621}"/>
+                <a16:creationId xmlns:a16="http://schemas.microsoft.com/office/drawing/2014/main" xmlns="" id="{C9329244-DAE5-44A4-9671-F9C50821D621}"/>
               </a:ext>
             </a:extLst>
           </p:cNvPr>
@@ -17841,7 +17987,7 @@
           <p:cNvPr id="2" name="Title 1">
             <a:extLst>
               <a:ext uri="{FF2B5EF4-FFF2-40B4-BE49-F238E27FC236}">
-                <a16:creationId xmlns:a16="http://schemas.microsoft.com/office/drawing/2014/main" id="{56DECA58-58D5-4AD4-B0F0-FDEAB6767421}"/>
+                <a16:creationId xmlns:a16="http://schemas.microsoft.com/office/drawing/2014/main" xmlns="" id="{56DECA58-58D5-4AD4-B0F0-FDEAB6767421}"/>
               </a:ext>
             </a:extLst>
           </p:cNvPr>
@@ -17869,7 +18015,7 @@
           <p:cNvPr id="3" name="Picture 2">
             <a:extLst>
               <a:ext uri="{FF2B5EF4-FFF2-40B4-BE49-F238E27FC236}">
-                <a16:creationId xmlns:a16="http://schemas.microsoft.com/office/drawing/2014/main" id="{37DD4CDE-9A9B-4B29-8502-43ED6BCB4212}"/>
+                <a16:creationId xmlns:a16="http://schemas.microsoft.com/office/drawing/2014/main" xmlns="" id="{37DD4CDE-9A9B-4B29-8502-43ED6BCB4212}"/>
               </a:ext>
             </a:extLst>
           </p:cNvPr>
@@ -17909,7 +18055,7 @@
           <p:cNvPr id="4" name="Rectangle 3">
             <a:extLst>
               <a:ext uri="{FF2B5EF4-FFF2-40B4-BE49-F238E27FC236}">
-                <a16:creationId xmlns:a16="http://schemas.microsoft.com/office/drawing/2014/main" id="{2E6F78B6-5A3F-482F-A187-7FD1155655B4}"/>
+                <a16:creationId xmlns:a16="http://schemas.microsoft.com/office/drawing/2014/main" xmlns="" id="{2E6F78B6-5A3F-482F-A187-7FD1155655B4}"/>
               </a:ext>
             </a:extLst>
           </p:cNvPr>
@@ -18192,7 +18338,7 @@
           <p:cNvPr id="3" name="Text Placeholder 2">
             <a:extLst>
               <a:ext uri="{FF2B5EF4-FFF2-40B4-BE49-F238E27FC236}">
-                <a16:creationId xmlns:a16="http://schemas.microsoft.com/office/drawing/2014/main" id="{A643CDAF-5CD8-4584-BF6F-3D0D0FE0E960}"/>
+                <a16:creationId xmlns:a16="http://schemas.microsoft.com/office/drawing/2014/main" xmlns="" id="{A643CDAF-5CD8-4584-BF6F-3D0D0FE0E960}"/>
               </a:ext>
             </a:extLst>
           </p:cNvPr>
@@ -18235,7 +18381,7 @@
           <p:cNvPr id="2" name="Title 1">
             <a:extLst>
               <a:ext uri="{FF2B5EF4-FFF2-40B4-BE49-F238E27FC236}">
-                <a16:creationId xmlns:a16="http://schemas.microsoft.com/office/drawing/2014/main" id="{94911225-425D-4EC2-84E7-66FA9C2D271F}"/>
+                <a16:creationId xmlns:a16="http://schemas.microsoft.com/office/drawing/2014/main" xmlns="" id="{94911225-425D-4EC2-84E7-66FA9C2D271F}"/>
               </a:ext>
             </a:extLst>
           </p:cNvPr>
@@ -18271,6 +18417,13 @@
   <p:transition>
     <p:fade/>
   </p:transition>
+  <p:timing>
+    <p:tnLst>
+      <p:par>
+        <p:cTn id="1" dur="indefinite" restart="never" nodeType="tmRoot"/>
+      </p:par>
+    </p:tnLst>
+  </p:timing>
 </p:sld>
 </file>
 
@@ -18570,7 +18723,7 @@
   <a:extraClrSchemeLst/>
   <a:extLst>
     <a:ext uri="{05A4C25C-085E-4340-85A3-A5531E510DB2}">
-      <thm15:themeFamily xmlns:thm15="http://schemas.microsoft.com/office/thememl/2012/main" name="Microsoft_Connect_2016_SlideTemplate.potx" id="{C234CE7A-26D5-49BB-B05A-16F212610622}" vid="{5650B0BA-FAE4-45A0-B96B-B7C7DED0CDEA}"/>
+      <thm15:themeFamily xmlns:thm15="http://schemas.microsoft.com/office/thememl/2012/main" xmlns="" name="Microsoft_Connect_2016_SlideTemplate.potx" id="{C234CE7A-26D5-49BB-B05A-16F212610622}" vid="{5650B0BA-FAE4-45A0-B96B-B7C7DED0CDEA}"/>
     </a:ext>
   </a:extLst>
 </a:theme>
@@ -18865,13 +19018,31 @@
   <a:extraClrSchemeLst/>
   <a:extLst>
     <a:ext uri="{05A4C25C-085E-4340-85A3-A5531E510DB2}">
-      <thm15:themeFamily xmlns:thm15="http://schemas.microsoft.com/office/thememl/2012/main" name="Office Theme" id="{62F939B6-93AF-4DB8-9C6B-D6C7DFDC589F}" vid="{4A3C46E8-61CC-4603-A589-7422A47A8E4A}"/>
+      <thm15:themeFamily xmlns:thm15="http://schemas.microsoft.com/office/thememl/2012/main" xmlns="" name="Office Theme" id="{62F939B6-93AF-4DB8-9C6B-D6C7DFDC589F}" vid="{4A3C46E8-61CC-4603-A589-7422A47A8E4A}"/>
     </a:ext>
   </a:extLst>
 </a:theme>
 </file>
 
 <file path=customXml/item1.xml><?xml version="1.0" encoding="utf-8"?>
+<p:properties xmlns:p="http://schemas.microsoft.com/office/2006/metadata/properties" xmlns:xsi="http://www.w3.org/2001/XMLSchema-instance" xmlns:pc="http://schemas.microsoft.com/office/infopath/2007/PartnerControls">
+  <documentManagement>
+    <_ip_UnifiedCompliancePolicyProperties xmlns="http://schemas.microsoft.com/sharepoint/v3" xsi:nil="true"/>
+    <_ip_UnifiedCompliancePolicyUIAction xmlns="http://schemas.microsoft.com/sharepoint/v3" xsi:nil="true"/>
+    <LastSharedByUser xmlns="11245976-3b4d-4794-a754-317688483df2">jogallow@microsoft.com</LastSharedByUser>
+    <SharedWithUsers xmlns="11245976-3b4d-4794-a754-317688483df2">
+      <UserInfo>
+        <DisplayName>Martin Woodward</DisplayName>
+        <AccountId>67</AccountId>
+        <AccountType/>
+      </UserInfo>
+    </SharedWithUsers>
+    <LastSharedByTime xmlns="11245976-3b4d-4794-a754-317688483df2">2018-03-16T04:12:59+00:00</LastSharedByTime>
+  </documentManagement>
+</p:properties>
+</file>
+
+<file path=customXml/item2.xml><?xml version="1.0" encoding="utf-8"?>
 <ct:contentTypeSchema xmlns:ct="http://schemas.microsoft.com/office/2006/metadata/contentType" xmlns:ma="http://schemas.microsoft.com/office/2006/metadata/properties/metaAttributes" ct:_="" ma:_="" ma:contentTypeName="Document" ma:contentTypeID="0x01010022F88B0CCF1BBA489747F146E6B5E06D" ma:contentTypeVersion="11" ma:contentTypeDescription="Create a new document." ma:contentTypeScope="" ma:versionID="4679f38185fefde8b23806f702b522cc">
   <xsd:schema xmlns:xsd="http://www.w3.org/2001/XMLSchema" xmlns:xs="http://www.w3.org/2001/XMLSchema" xmlns:p="http://schemas.microsoft.com/office/2006/metadata/properties" xmlns:ns1="http://schemas.microsoft.com/sharepoint/v3" xmlns:ns2="569b343d-e775-480b-9b2b-6a6986deb9b0" xmlns:ns3="11245976-3b4d-4794-a754-317688483df2" targetNamespace="http://schemas.microsoft.com/office/2006/metadata/properties" ma:root="true" ma:fieldsID="366371b317520ec9a5ad3c1303c823ef" ns1:_="" ns2:_="" ns3:_="">
     <xsd:import namespace="http://schemas.microsoft.com/sharepoint/v3"/>
@@ -19085,24 +19256,6 @@
 </ct:contentTypeSchema>
 </file>
 
-<file path=customXml/item2.xml><?xml version="1.0" encoding="utf-8"?>
-<p:properties xmlns:p="http://schemas.microsoft.com/office/2006/metadata/properties" xmlns:xsi="http://www.w3.org/2001/XMLSchema-instance" xmlns:pc="http://schemas.microsoft.com/office/infopath/2007/PartnerControls">
-  <documentManagement>
-    <_ip_UnifiedCompliancePolicyProperties xmlns="http://schemas.microsoft.com/sharepoint/v3" xsi:nil="true"/>
-    <_ip_UnifiedCompliancePolicyUIAction xmlns="http://schemas.microsoft.com/sharepoint/v3" xsi:nil="true"/>
-    <LastSharedByUser xmlns="11245976-3b4d-4794-a754-317688483df2">jogallow@microsoft.com</LastSharedByUser>
-    <SharedWithUsers xmlns="11245976-3b4d-4794-a754-317688483df2">
-      <UserInfo>
-        <DisplayName>Martin Woodward</DisplayName>
-        <AccountId>67</AccountId>
-        <AccountType/>
-      </UserInfo>
-    </SharedWithUsers>
-    <LastSharedByTime xmlns="11245976-3b4d-4794-a754-317688483df2">2018-03-16T04:12:59+00:00</LastSharedByTime>
-  </documentManagement>
-</p:properties>
-</file>
-
 <file path=customXml/item3.xml><?xml version="1.0" encoding="utf-8"?>
 <?mso-contentType ?>
 <FormTemplates xmlns="http://schemas.microsoft.com/sharepoint/v3/contenttype/forms">
@@ -19113,6 +19266,24 @@
 </file>
 
 <file path=customXml/itemProps1.xml><?xml version="1.0" encoding="utf-8"?>
+<ds:datastoreItem xmlns:ds="http://schemas.openxmlformats.org/officeDocument/2006/customXml" ds:itemID="{D23E43D6-DB2F-4C33-A8C8-D28F777A5DE7}">
+  <ds:schemaRefs>
+    <ds:schemaRef ds:uri="http://schemas.microsoft.com/sharepoint/v3"/>
+    <ds:schemaRef ds:uri="http://purl.org/dc/terms/"/>
+    <ds:schemaRef ds:uri="http://schemas.microsoft.com/office/2006/documentManagement/types"/>
+    <ds:schemaRef ds:uri="http://schemas.microsoft.com/office/infopath/2007/PartnerControls"/>
+    <ds:schemaRef ds:uri="http://schemas.openxmlformats.org/package/2006/metadata/core-properties"/>
+    <ds:schemaRef ds:uri="11245976-3b4d-4794-a754-317688483df2"/>
+    <ds:schemaRef ds:uri="http://purl.org/dc/elements/1.1/"/>
+    <ds:schemaRef ds:uri="569b343d-e775-480b-9b2b-6a6986deb9b0"/>
+    <ds:schemaRef ds:uri="http://schemas.microsoft.com/office/2006/metadata/properties"/>
+    <ds:schemaRef ds:uri="http://www.w3.org/XML/1998/namespace"/>
+    <ds:schemaRef ds:uri="http://purl.org/dc/dcmitype/"/>
+  </ds:schemaRefs>
+</ds:datastoreItem>
+</file>
+
+<file path=customXml/itemProps2.xml><?xml version="1.0" encoding="utf-8"?>
 <ds:datastoreItem xmlns:ds="http://schemas.openxmlformats.org/officeDocument/2006/customXml" ds:itemID="{16E8CB18-CF19-487B-A6ED-834044BC878F}">
   <ds:schemaRefs>
     <ds:schemaRef ds:uri="http://schemas.microsoft.com/office/2006/metadata/contentType"/>
@@ -19132,24 +19303,6 @@
 </ds:datastoreItem>
 </file>
 
-<file path=customXml/itemProps2.xml><?xml version="1.0" encoding="utf-8"?>
-<ds:datastoreItem xmlns:ds="http://schemas.openxmlformats.org/officeDocument/2006/customXml" ds:itemID="{D23E43D6-DB2F-4C33-A8C8-D28F777A5DE7}">
-  <ds:schemaRefs>
-    <ds:schemaRef ds:uri="http://schemas.microsoft.com/sharepoint/v3"/>
-    <ds:schemaRef ds:uri="http://purl.org/dc/terms/"/>
-    <ds:schemaRef ds:uri="http://schemas.microsoft.com/office/2006/documentManagement/types"/>
-    <ds:schemaRef ds:uri="http://schemas.microsoft.com/office/infopath/2007/PartnerControls"/>
-    <ds:schemaRef ds:uri="http://schemas.openxmlformats.org/package/2006/metadata/core-properties"/>
-    <ds:schemaRef ds:uri="11245976-3b4d-4794-a754-317688483df2"/>
-    <ds:schemaRef ds:uri="http://purl.org/dc/elements/1.1/"/>
-    <ds:schemaRef ds:uri="569b343d-e775-480b-9b2b-6a6986deb9b0"/>
-    <ds:schemaRef ds:uri="http://schemas.microsoft.com/office/2006/metadata/properties"/>
-    <ds:schemaRef ds:uri="http://www.w3.org/XML/1998/namespace"/>
-    <ds:schemaRef ds:uri="http://purl.org/dc/dcmitype/"/>
-  </ds:schemaRefs>
-</ds:datastoreItem>
-</file>
-
 <file path=customXml/itemProps3.xml><?xml version="1.0" encoding="utf-8"?>
 <ds:datastoreItem xmlns:ds="http://schemas.openxmlformats.org/officeDocument/2006/customXml" ds:itemID="{093821A7-5528-48BE-BD00-067FBFDD28D5}">
   <ds:schemaRefs>

--- a/dotnetconf/Technical/Decks/Aaron_NetStandard/Build Great Libraries using .NET Standard-Aaron.pptx
+++ b/dotnetconf/Technical/Decks/Aaron_NetStandard/Build Great Libraries using .NET Standard-Aaron.pptx
@@ -2745,7 +2745,7 @@
           <a:p>
             <a:fld id="{38EEC551-8CDA-4EB6-89BB-2A86C9F091C8}" type="datetime8">
               <a:rPr lang="en-US" smtClean="0"/>
-              <a:t>10/27/2018 1:46 AM</a:t>
+              <a:t>10/27/2018 12:02 PM</a:t>
             </a:fld>
             <a:endParaRPr lang="en-US" dirty="0"/>
           </a:p>
@@ -2929,7 +2929,7 @@
           <a:p>
             <a:fld id="{38EEC551-8CDA-4EB6-89BB-2A86C9F091C8}" type="datetime8">
               <a:rPr lang="en-US" smtClean="0"/>
-              <a:t>10/27/2018 1:46 AM</a:t>
+              <a:t>10/27/2018 12:02 PM</a:t>
             </a:fld>
             <a:endParaRPr lang="en-US" dirty="0"/>
           </a:p>
@@ -3278,7 +3278,7 @@
           <a:p>
             <a:fld id="{38EEC551-8CDA-4EB6-89BB-2A86C9F091C8}" type="datetime8">
               <a:rPr lang="en-US" smtClean="0"/>
-              <a:t>10/27/2018 1:45 AM</a:t>
+              <a:t>10/27/2018 12:02 PM</a:t>
             </a:fld>
             <a:endParaRPr lang="en-US" dirty="0"/>
           </a:p>
@@ -11076,16 +11076,12 @@
               <a:rPr lang="en-US" sz="5400" dirty="0"/>
             </a:br>
             <a:r>
-              <a:rPr lang="en-US" sz="5400" dirty="0"/>
-              <a:t>your .</a:t>
-            </a:r>
-            <a:r>
               <a:rPr lang="en-US" sz="5400"/>
-              <a:t>NET </a:t>
+              <a:t>your </a:t>
             </a:r>
             <a:r>
               <a:rPr lang="en-US" sz="5400" smtClean="0"/>
-              <a:t>Framework / .NET Core</a:t>
+              <a:t>.NET Core</a:t>
             </a:r>
             <a:endParaRPr lang="en-US" sz="5400" dirty="0"/>
           </a:p>
@@ -12924,6 +12920,34 @@
             <a:r>
               <a:rPr lang="en-US" dirty="0"/>
               <a:t>C:\Program Files (x86)\Microsoft Visual Studio 14.0\VC&gt;ildasm.exe</a:t>
+            </a:r>
+          </a:p>
+        </p:txBody>
+      </p:sp>
+      <p:sp>
+        <p:nvSpPr>
+          <p:cNvPr id="5" name="Rectangle 4"/>
+          <p:cNvSpPr/>
+          <p:nvPr/>
+        </p:nvSpPr>
+        <p:spPr>
+          <a:xfrm>
+            <a:off x="1824506" y="5514184"/>
+            <a:ext cx="8388439" cy="369332"/>
+          </a:xfrm>
+          <a:prstGeom prst="rect">
+            <a:avLst/>
+          </a:prstGeom>
+        </p:spPr>
+        <p:txBody>
+          <a:bodyPr wrap="square">
+            <a:spAutoFit/>
+          </a:bodyPr>
+          <a:lstStyle/>
+          <a:p>
+            <a:r>
+              <a:rPr lang="en-US" dirty="0"/>
+              <a:t>C:\Program Files (x86)\Microsoft SDKs\Windows\v10.0A\bin\NETFX 4.7.2 Tools</a:t>
             </a:r>
           </a:p>
         </p:txBody>
